--- a/IQInfinity.pptx
+++ b/IQInfinity.pptx
@@ -14,10 +14,11 @@
     <p:sldId id="260" r:id="rId8"/>
     <p:sldId id="261" r:id="rId9"/>
     <p:sldId id="262" r:id="rId10"/>
-    <p:sldId id="266" r:id="rId11"/>
-    <p:sldId id="267" r:id="rId12"/>
-    <p:sldId id="268" r:id="rId13"/>
-    <p:sldId id="269" r:id="rId14"/>
+    <p:sldId id="270" r:id="rId11"/>
+    <p:sldId id="266" r:id="rId12"/>
+    <p:sldId id="267" r:id="rId13"/>
+    <p:sldId id="268" r:id="rId14"/>
+    <p:sldId id="269" r:id="rId15"/>
   </p:sldIdLst>
   <p:sldSz cx="12192000" cy="6858000"/>
   <p:notesSz cx="6858000" cy="9144000"/>
@@ -116,6 +117,11 @@
       </a:defRPr>
     </a:lvl9pPr>
   </p:defaultTextStyle>
+  <p:extLst>
+    <p:ext uri="{EFAFB233-063F-42B5-8137-9DF3F51BA10A}">
+      <p15:sldGuideLst xmlns:p15="http://schemas.microsoft.com/office/powerpoint/2012/main"/>
+    </p:ext>
+  </p:extLst>
 </p:presentation>
 </file>
 
@@ -161,10 +167,9 @@
           </a:lstStyle>
           <a:p>
             <a:r>
-              <a:rPr lang="hu-HU" smtClean="0"/>
+              <a:rPr lang="hu-HU"/>
               <a:t>Mintacím szerkesztése</a:t>
             </a:r>
-            <a:endParaRPr lang="hu-HU"/>
           </a:p>
         </p:txBody>
       </p:sp>
@@ -226,10 +231,9 @@
           </a:lstStyle>
           <a:p>
             <a:r>
-              <a:rPr lang="hu-HU" smtClean="0"/>
+              <a:rPr lang="hu-HU"/>
               <a:t>Kattintson ide az alcím mintájának szerkesztéséhez</a:t>
             </a:r>
-            <a:endParaRPr lang="hu-HU"/>
           </a:p>
         </p:txBody>
       </p:sp>
@@ -250,7 +254,7 @@
           <a:p>
             <a:fld id="{6741845F-BA50-4D9E-9A45-5D6EF02B0166}" type="datetimeFigureOut">
               <a:rPr lang="hu-HU" smtClean="0"/>
-              <a:t>2025. 04. 03.</a:t>
+              <a:t>2025. 04. 04.</a:t>
             </a:fld>
             <a:endParaRPr lang="hu-HU"/>
           </a:p>
@@ -344,10 +348,9 @@
           <a:lstStyle/>
           <a:p>
             <a:r>
-              <a:rPr lang="hu-HU" smtClean="0"/>
+              <a:rPr lang="hu-HU"/>
               <a:t>Mintacím szerkesztése</a:t>
             </a:r>
-            <a:endParaRPr lang="hu-HU"/>
           </a:p>
         </p:txBody>
       </p:sp>
@@ -368,38 +371,37 @@
           <a:p>
             <a:pPr lvl="0"/>
             <a:r>
-              <a:rPr lang="hu-HU" smtClean="0"/>
+              <a:rPr lang="hu-HU"/>
               <a:t>Mintaszöveg szerkesztése</a:t>
             </a:r>
           </a:p>
           <a:p>
             <a:pPr lvl="1"/>
             <a:r>
-              <a:rPr lang="hu-HU" smtClean="0"/>
+              <a:rPr lang="hu-HU"/>
               <a:t>Második szint</a:t>
             </a:r>
           </a:p>
           <a:p>
             <a:pPr lvl="2"/>
             <a:r>
-              <a:rPr lang="hu-HU" smtClean="0"/>
+              <a:rPr lang="hu-HU"/>
               <a:t>Harmadik szint</a:t>
             </a:r>
           </a:p>
           <a:p>
             <a:pPr lvl="3"/>
             <a:r>
-              <a:rPr lang="hu-HU" smtClean="0"/>
+              <a:rPr lang="hu-HU"/>
               <a:t>Negyedik szint</a:t>
             </a:r>
           </a:p>
           <a:p>
             <a:pPr lvl="4"/>
             <a:r>
-              <a:rPr lang="hu-HU" smtClean="0"/>
+              <a:rPr lang="hu-HU"/>
               <a:t>Ötödik szint</a:t>
             </a:r>
-            <a:endParaRPr lang="hu-HU"/>
           </a:p>
         </p:txBody>
       </p:sp>
@@ -420,7 +422,7 @@
           <a:p>
             <a:fld id="{6741845F-BA50-4D9E-9A45-5D6EF02B0166}" type="datetimeFigureOut">
               <a:rPr lang="hu-HU" smtClean="0"/>
-              <a:t>2025. 04. 03.</a:t>
+              <a:t>2025. 04. 04.</a:t>
             </a:fld>
             <a:endParaRPr lang="hu-HU"/>
           </a:p>
@@ -519,10 +521,9 @@
           <a:lstStyle/>
           <a:p>
             <a:r>
-              <a:rPr lang="hu-HU" smtClean="0"/>
+              <a:rPr lang="hu-HU"/>
               <a:t>Mintacím szerkesztése</a:t>
             </a:r>
-            <a:endParaRPr lang="hu-HU"/>
           </a:p>
         </p:txBody>
       </p:sp>
@@ -548,38 +549,37 @@
           <a:p>
             <a:pPr lvl="0"/>
             <a:r>
-              <a:rPr lang="hu-HU" smtClean="0"/>
+              <a:rPr lang="hu-HU"/>
               <a:t>Mintaszöveg szerkesztése</a:t>
             </a:r>
           </a:p>
           <a:p>
             <a:pPr lvl="1"/>
             <a:r>
-              <a:rPr lang="hu-HU" smtClean="0"/>
+              <a:rPr lang="hu-HU"/>
               <a:t>Második szint</a:t>
             </a:r>
           </a:p>
           <a:p>
             <a:pPr lvl="2"/>
             <a:r>
-              <a:rPr lang="hu-HU" smtClean="0"/>
+              <a:rPr lang="hu-HU"/>
               <a:t>Harmadik szint</a:t>
             </a:r>
           </a:p>
           <a:p>
             <a:pPr lvl="3"/>
             <a:r>
-              <a:rPr lang="hu-HU" smtClean="0"/>
+              <a:rPr lang="hu-HU"/>
               <a:t>Negyedik szint</a:t>
             </a:r>
           </a:p>
           <a:p>
             <a:pPr lvl="4"/>
             <a:r>
-              <a:rPr lang="hu-HU" smtClean="0"/>
+              <a:rPr lang="hu-HU"/>
               <a:t>Ötödik szint</a:t>
             </a:r>
-            <a:endParaRPr lang="hu-HU"/>
           </a:p>
         </p:txBody>
       </p:sp>
@@ -600,7 +600,7 @@
           <a:p>
             <a:fld id="{6741845F-BA50-4D9E-9A45-5D6EF02B0166}" type="datetimeFigureOut">
               <a:rPr lang="hu-HU" smtClean="0"/>
-              <a:t>2025. 04. 03.</a:t>
+              <a:t>2025. 04. 04.</a:t>
             </a:fld>
             <a:endParaRPr lang="hu-HU"/>
           </a:p>
@@ -694,10 +694,9 @@
           <a:lstStyle/>
           <a:p>
             <a:r>
-              <a:rPr lang="hu-HU" smtClean="0"/>
+              <a:rPr lang="hu-HU"/>
               <a:t>Mintacím szerkesztése</a:t>
             </a:r>
-            <a:endParaRPr lang="hu-HU"/>
           </a:p>
         </p:txBody>
       </p:sp>
@@ -718,38 +717,37 @@
           <a:p>
             <a:pPr lvl="0"/>
             <a:r>
-              <a:rPr lang="hu-HU" smtClean="0"/>
+              <a:rPr lang="hu-HU"/>
               <a:t>Mintaszöveg szerkesztése</a:t>
             </a:r>
           </a:p>
           <a:p>
             <a:pPr lvl="1"/>
             <a:r>
-              <a:rPr lang="hu-HU" smtClean="0"/>
+              <a:rPr lang="hu-HU"/>
               <a:t>Második szint</a:t>
             </a:r>
           </a:p>
           <a:p>
             <a:pPr lvl="2"/>
             <a:r>
-              <a:rPr lang="hu-HU" smtClean="0"/>
+              <a:rPr lang="hu-HU"/>
               <a:t>Harmadik szint</a:t>
             </a:r>
           </a:p>
           <a:p>
             <a:pPr lvl="3"/>
             <a:r>
-              <a:rPr lang="hu-HU" smtClean="0"/>
+              <a:rPr lang="hu-HU"/>
               <a:t>Negyedik szint</a:t>
             </a:r>
           </a:p>
           <a:p>
             <a:pPr lvl="4"/>
             <a:r>
-              <a:rPr lang="hu-HU" smtClean="0"/>
+              <a:rPr lang="hu-HU"/>
               <a:t>Ötödik szint</a:t>
             </a:r>
-            <a:endParaRPr lang="hu-HU"/>
           </a:p>
         </p:txBody>
       </p:sp>
@@ -770,7 +768,7 @@
           <a:p>
             <a:fld id="{6741845F-BA50-4D9E-9A45-5D6EF02B0166}" type="datetimeFigureOut">
               <a:rPr lang="hu-HU" smtClean="0"/>
-              <a:t>2025. 04. 03.</a:t>
+              <a:t>2025. 04. 04.</a:t>
             </a:fld>
             <a:endParaRPr lang="hu-HU"/>
           </a:p>
@@ -873,10 +871,9 @@
           </a:lstStyle>
           <a:p>
             <a:r>
-              <a:rPr lang="hu-HU" smtClean="0"/>
+              <a:rPr lang="hu-HU"/>
               <a:t>Mintacím szerkesztése</a:t>
             </a:r>
-            <a:endParaRPr lang="hu-HU"/>
           </a:p>
         </p:txBody>
       </p:sp>
@@ -993,7 +990,7 @@
           <a:p>
             <a:pPr lvl="0"/>
             <a:r>
-              <a:rPr lang="hu-HU" smtClean="0"/>
+              <a:rPr lang="hu-HU"/>
               <a:t>Mintaszöveg szerkesztése</a:t>
             </a:r>
           </a:p>
@@ -1016,7 +1013,7 @@
           <a:p>
             <a:fld id="{6741845F-BA50-4D9E-9A45-5D6EF02B0166}" type="datetimeFigureOut">
               <a:rPr lang="hu-HU" smtClean="0"/>
-              <a:t>2025. 04. 03.</a:t>
+              <a:t>2025. 04. 04.</a:t>
             </a:fld>
             <a:endParaRPr lang="hu-HU"/>
           </a:p>
@@ -1110,10 +1107,9 @@
           <a:lstStyle/>
           <a:p>
             <a:r>
-              <a:rPr lang="hu-HU" smtClean="0"/>
+              <a:rPr lang="hu-HU"/>
               <a:t>Mintacím szerkesztése</a:t>
             </a:r>
-            <a:endParaRPr lang="hu-HU"/>
           </a:p>
         </p:txBody>
       </p:sp>
@@ -1139,38 +1135,37 @@
           <a:p>
             <a:pPr lvl="0"/>
             <a:r>
-              <a:rPr lang="hu-HU" smtClean="0"/>
+              <a:rPr lang="hu-HU"/>
               <a:t>Mintaszöveg szerkesztése</a:t>
             </a:r>
           </a:p>
           <a:p>
             <a:pPr lvl="1"/>
             <a:r>
-              <a:rPr lang="hu-HU" smtClean="0"/>
+              <a:rPr lang="hu-HU"/>
               <a:t>Második szint</a:t>
             </a:r>
           </a:p>
           <a:p>
             <a:pPr lvl="2"/>
             <a:r>
-              <a:rPr lang="hu-HU" smtClean="0"/>
+              <a:rPr lang="hu-HU"/>
               <a:t>Harmadik szint</a:t>
             </a:r>
           </a:p>
           <a:p>
             <a:pPr lvl="3"/>
             <a:r>
-              <a:rPr lang="hu-HU" smtClean="0"/>
+              <a:rPr lang="hu-HU"/>
               <a:t>Negyedik szint</a:t>
             </a:r>
           </a:p>
           <a:p>
             <a:pPr lvl="4"/>
             <a:r>
-              <a:rPr lang="hu-HU" smtClean="0"/>
+              <a:rPr lang="hu-HU"/>
               <a:t>Ötödik szint</a:t>
             </a:r>
-            <a:endParaRPr lang="hu-HU"/>
           </a:p>
         </p:txBody>
       </p:sp>
@@ -1196,38 +1191,37 @@
           <a:p>
             <a:pPr lvl="0"/>
             <a:r>
-              <a:rPr lang="hu-HU" smtClean="0"/>
+              <a:rPr lang="hu-HU"/>
               <a:t>Mintaszöveg szerkesztése</a:t>
             </a:r>
           </a:p>
           <a:p>
             <a:pPr lvl="1"/>
             <a:r>
-              <a:rPr lang="hu-HU" smtClean="0"/>
+              <a:rPr lang="hu-HU"/>
               <a:t>Második szint</a:t>
             </a:r>
           </a:p>
           <a:p>
             <a:pPr lvl="2"/>
             <a:r>
-              <a:rPr lang="hu-HU" smtClean="0"/>
+              <a:rPr lang="hu-HU"/>
               <a:t>Harmadik szint</a:t>
             </a:r>
           </a:p>
           <a:p>
             <a:pPr lvl="3"/>
             <a:r>
-              <a:rPr lang="hu-HU" smtClean="0"/>
+              <a:rPr lang="hu-HU"/>
               <a:t>Negyedik szint</a:t>
             </a:r>
           </a:p>
           <a:p>
             <a:pPr lvl="4"/>
             <a:r>
-              <a:rPr lang="hu-HU" smtClean="0"/>
+              <a:rPr lang="hu-HU"/>
               <a:t>Ötödik szint</a:t>
             </a:r>
-            <a:endParaRPr lang="hu-HU"/>
           </a:p>
         </p:txBody>
       </p:sp>
@@ -1248,7 +1242,7 @@
           <a:p>
             <a:fld id="{6741845F-BA50-4D9E-9A45-5D6EF02B0166}" type="datetimeFigureOut">
               <a:rPr lang="hu-HU" smtClean="0"/>
-              <a:t>2025. 04. 03.</a:t>
+              <a:t>2025. 04. 04.</a:t>
             </a:fld>
             <a:endParaRPr lang="hu-HU"/>
           </a:p>
@@ -1347,10 +1341,9 @@
           <a:lstStyle/>
           <a:p>
             <a:r>
-              <a:rPr lang="hu-HU" smtClean="0"/>
+              <a:rPr lang="hu-HU"/>
               <a:t>Mintacím szerkesztése</a:t>
             </a:r>
-            <a:endParaRPr lang="hu-HU"/>
           </a:p>
         </p:txBody>
       </p:sp>
@@ -1413,7 +1406,7 @@
           <a:p>
             <a:pPr lvl="0"/>
             <a:r>
-              <a:rPr lang="hu-HU" smtClean="0"/>
+              <a:rPr lang="hu-HU"/>
               <a:t>Mintaszöveg szerkesztése</a:t>
             </a:r>
           </a:p>
@@ -1441,38 +1434,37 @@
           <a:p>
             <a:pPr lvl="0"/>
             <a:r>
-              <a:rPr lang="hu-HU" smtClean="0"/>
+              <a:rPr lang="hu-HU"/>
               <a:t>Mintaszöveg szerkesztése</a:t>
             </a:r>
           </a:p>
           <a:p>
             <a:pPr lvl="1"/>
             <a:r>
-              <a:rPr lang="hu-HU" smtClean="0"/>
+              <a:rPr lang="hu-HU"/>
               <a:t>Második szint</a:t>
             </a:r>
           </a:p>
           <a:p>
             <a:pPr lvl="2"/>
             <a:r>
-              <a:rPr lang="hu-HU" smtClean="0"/>
+              <a:rPr lang="hu-HU"/>
               <a:t>Harmadik szint</a:t>
             </a:r>
           </a:p>
           <a:p>
             <a:pPr lvl="3"/>
             <a:r>
-              <a:rPr lang="hu-HU" smtClean="0"/>
+              <a:rPr lang="hu-HU"/>
               <a:t>Negyedik szint</a:t>
             </a:r>
           </a:p>
           <a:p>
             <a:pPr lvl="4"/>
             <a:r>
-              <a:rPr lang="hu-HU" smtClean="0"/>
+              <a:rPr lang="hu-HU"/>
               <a:t>Ötödik szint</a:t>
             </a:r>
-            <a:endParaRPr lang="hu-HU"/>
           </a:p>
         </p:txBody>
       </p:sp>
@@ -1535,7 +1527,7 @@
           <a:p>
             <a:pPr lvl="0"/>
             <a:r>
-              <a:rPr lang="hu-HU" smtClean="0"/>
+              <a:rPr lang="hu-HU"/>
               <a:t>Mintaszöveg szerkesztése</a:t>
             </a:r>
           </a:p>
@@ -1563,38 +1555,37 @@
           <a:p>
             <a:pPr lvl="0"/>
             <a:r>
-              <a:rPr lang="hu-HU" smtClean="0"/>
+              <a:rPr lang="hu-HU"/>
               <a:t>Mintaszöveg szerkesztése</a:t>
             </a:r>
           </a:p>
           <a:p>
             <a:pPr lvl="1"/>
             <a:r>
-              <a:rPr lang="hu-HU" smtClean="0"/>
+              <a:rPr lang="hu-HU"/>
               <a:t>Második szint</a:t>
             </a:r>
           </a:p>
           <a:p>
             <a:pPr lvl="2"/>
             <a:r>
-              <a:rPr lang="hu-HU" smtClean="0"/>
+              <a:rPr lang="hu-HU"/>
               <a:t>Harmadik szint</a:t>
             </a:r>
           </a:p>
           <a:p>
             <a:pPr lvl="3"/>
             <a:r>
-              <a:rPr lang="hu-HU" smtClean="0"/>
+              <a:rPr lang="hu-HU"/>
               <a:t>Negyedik szint</a:t>
             </a:r>
           </a:p>
           <a:p>
             <a:pPr lvl="4"/>
             <a:r>
-              <a:rPr lang="hu-HU" smtClean="0"/>
+              <a:rPr lang="hu-HU"/>
               <a:t>Ötödik szint</a:t>
             </a:r>
-            <a:endParaRPr lang="hu-HU"/>
           </a:p>
         </p:txBody>
       </p:sp>
@@ -1615,7 +1606,7 @@
           <a:p>
             <a:fld id="{6741845F-BA50-4D9E-9A45-5D6EF02B0166}" type="datetimeFigureOut">
               <a:rPr lang="hu-HU" smtClean="0"/>
-              <a:t>2025. 04. 03.</a:t>
+              <a:t>2025. 04. 04.</a:t>
             </a:fld>
             <a:endParaRPr lang="hu-HU"/>
           </a:p>
@@ -1709,10 +1700,9 @@
           <a:lstStyle/>
           <a:p>
             <a:r>
-              <a:rPr lang="hu-HU" smtClean="0"/>
+              <a:rPr lang="hu-HU"/>
               <a:t>Mintacím szerkesztése</a:t>
             </a:r>
-            <a:endParaRPr lang="hu-HU"/>
           </a:p>
         </p:txBody>
       </p:sp>
@@ -1733,7 +1723,7 @@
           <a:p>
             <a:fld id="{6741845F-BA50-4D9E-9A45-5D6EF02B0166}" type="datetimeFigureOut">
               <a:rPr lang="hu-HU" smtClean="0"/>
-              <a:t>2025. 04. 03.</a:t>
+              <a:t>2025. 04. 04.</a:t>
             </a:fld>
             <a:endParaRPr lang="hu-HU"/>
           </a:p>
@@ -1828,7 +1818,7 @@
           <a:p>
             <a:fld id="{6741845F-BA50-4D9E-9A45-5D6EF02B0166}" type="datetimeFigureOut">
               <a:rPr lang="hu-HU" smtClean="0"/>
-              <a:t>2025. 04. 03.</a:t>
+              <a:t>2025. 04. 04.</a:t>
             </a:fld>
             <a:endParaRPr lang="hu-HU"/>
           </a:p>
@@ -1931,10 +1921,9 @@
           </a:lstStyle>
           <a:p>
             <a:r>
-              <a:rPr lang="hu-HU" smtClean="0"/>
+              <a:rPr lang="hu-HU"/>
               <a:t>Mintacím szerkesztése</a:t>
             </a:r>
-            <a:endParaRPr lang="hu-HU"/>
           </a:p>
         </p:txBody>
       </p:sp>
@@ -1988,38 +1977,37 @@
           <a:p>
             <a:pPr lvl="0"/>
             <a:r>
-              <a:rPr lang="hu-HU" smtClean="0"/>
+              <a:rPr lang="hu-HU"/>
               <a:t>Mintaszöveg szerkesztése</a:t>
             </a:r>
           </a:p>
           <a:p>
             <a:pPr lvl="1"/>
             <a:r>
-              <a:rPr lang="hu-HU" smtClean="0"/>
+              <a:rPr lang="hu-HU"/>
               <a:t>Második szint</a:t>
             </a:r>
           </a:p>
           <a:p>
             <a:pPr lvl="2"/>
             <a:r>
-              <a:rPr lang="hu-HU" smtClean="0"/>
+              <a:rPr lang="hu-HU"/>
               <a:t>Harmadik szint</a:t>
             </a:r>
           </a:p>
           <a:p>
             <a:pPr lvl="3"/>
             <a:r>
-              <a:rPr lang="hu-HU" smtClean="0"/>
+              <a:rPr lang="hu-HU"/>
               <a:t>Negyedik szint</a:t>
             </a:r>
           </a:p>
           <a:p>
             <a:pPr lvl="4"/>
             <a:r>
-              <a:rPr lang="hu-HU" smtClean="0"/>
+              <a:rPr lang="hu-HU"/>
               <a:t>Ötödik szint</a:t>
             </a:r>
-            <a:endParaRPr lang="hu-HU"/>
           </a:p>
         </p:txBody>
       </p:sp>
@@ -2082,7 +2070,7 @@
           <a:p>
             <a:pPr lvl="0"/>
             <a:r>
-              <a:rPr lang="hu-HU" smtClean="0"/>
+              <a:rPr lang="hu-HU"/>
               <a:t>Mintaszöveg szerkesztése</a:t>
             </a:r>
           </a:p>
@@ -2105,7 +2093,7 @@
           <a:p>
             <a:fld id="{6741845F-BA50-4D9E-9A45-5D6EF02B0166}" type="datetimeFigureOut">
               <a:rPr lang="hu-HU" smtClean="0"/>
-              <a:t>2025. 04. 03.</a:t>
+              <a:t>2025. 04. 04.</a:t>
             </a:fld>
             <a:endParaRPr lang="hu-HU"/>
           </a:p>
@@ -2208,10 +2196,9 @@
           </a:lstStyle>
           <a:p>
             <a:r>
-              <a:rPr lang="hu-HU" smtClean="0"/>
+              <a:rPr lang="hu-HU"/>
               <a:t>Mintacím szerkesztése</a:t>
             </a:r>
-            <a:endParaRPr lang="hu-HU"/>
           </a:p>
         </p:txBody>
       </p:sp>
@@ -2335,7 +2322,7 @@
           <a:p>
             <a:pPr lvl="0"/>
             <a:r>
-              <a:rPr lang="hu-HU" smtClean="0"/>
+              <a:rPr lang="hu-HU"/>
               <a:t>Mintaszöveg szerkesztése</a:t>
             </a:r>
           </a:p>
@@ -2358,7 +2345,7 @@
           <a:p>
             <a:fld id="{6741845F-BA50-4D9E-9A45-5D6EF02B0166}" type="datetimeFigureOut">
               <a:rPr lang="hu-HU" smtClean="0"/>
-              <a:t>2025. 04. 03.</a:t>
+              <a:t>2025. 04. 04.</a:t>
             </a:fld>
             <a:endParaRPr lang="hu-HU"/>
           </a:p>
@@ -2467,10 +2454,9 @@
           <a:lstStyle/>
           <a:p>
             <a:r>
-              <a:rPr lang="hu-HU" smtClean="0"/>
+              <a:rPr lang="hu-HU"/>
               <a:t>Mintacím szerkesztése</a:t>
             </a:r>
-            <a:endParaRPr lang="hu-HU"/>
           </a:p>
         </p:txBody>
       </p:sp>
@@ -2501,38 +2487,37 @@
           <a:p>
             <a:pPr lvl="0"/>
             <a:r>
-              <a:rPr lang="hu-HU" smtClean="0"/>
+              <a:rPr lang="hu-HU"/>
               <a:t>Mintaszöveg szerkesztése</a:t>
             </a:r>
           </a:p>
           <a:p>
             <a:pPr lvl="1"/>
             <a:r>
-              <a:rPr lang="hu-HU" smtClean="0"/>
+              <a:rPr lang="hu-HU"/>
               <a:t>Második szint</a:t>
             </a:r>
           </a:p>
           <a:p>
             <a:pPr lvl="2"/>
             <a:r>
-              <a:rPr lang="hu-HU" smtClean="0"/>
+              <a:rPr lang="hu-HU"/>
               <a:t>Harmadik szint</a:t>
             </a:r>
           </a:p>
           <a:p>
             <a:pPr lvl="3"/>
             <a:r>
-              <a:rPr lang="hu-HU" smtClean="0"/>
+              <a:rPr lang="hu-HU"/>
               <a:t>Negyedik szint</a:t>
             </a:r>
           </a:p>
           <a:p>
             <a:pPr lvl="4"/>
             <a:r>
-              <a:rPr lang="hu-HU" smtClean="0"/>
+              <a:rPr lang="hu-HU"/>
               <a:t>Ötödik szint</a:t>
             </a:r>
-            <a:endParaRPr lang="hu-HU"/>
           </a:p>
         </p:txBody>
       </p:sp>
@@ -2571,7 +2556,7 @@
           <a:p>
             <a:fld id="{6741845F-BA50-4D9E-9A45-5D6EF02B0166}" type="datetimeFigureOut">
               <a:rPr lang="hu-HU" smtClean="0"/>
-              <a:t>2025. 04. 03.</a:t>
+              <a:t>2025. 04. 04.</a:t>
             </a:fld>
             <a:endParaRPr lang="hu-HU"/>
           </a:p>
@@ -2997,7 +2982,7 @@
           <a:lstStyle/>
           <a:p>
             <a:r>
-              <a:rPr lang="hu-HU" dirty="0" err="1" smtClean="0"/>
+              <a:rPr lang="hu-HU" dirty="0" err="1"/>
               <a:t>IQInfinity</a:t>
             </a:r>
             <a:endParaRPr lang="hu-HU" dirty="0"/>
@@ -3156,6 +3141,90 @@
       </p:grpSpPr>
       <p:sp>
         <p:nvSpPr>
+          <p:cNvPr id="2" name="Cím 1">
+            <a:extLst>
+              <a:ext uri="{FF2B5EF4-FFF2-40B4-BE49-F238E27FC236}">
+                <a16:creationId xmlns:a16="http://schemas.microsoft.com/office/drawing/2014/main" id="{5E0D560E-CC2C-4C8C-A363-52FD83CD9F16}"/>
+              </a:ext>
+            </a:extLst>
+          </p:cNvPr>
+          <p:cNvSpPr>
+            <a:spLocks noGrp="1"/>
+          </p:cNvSpPr>
+          <p:nvPr>
+            <p:ph type="title"/>
+          </p:nvPr>
+        </p:nvSpPr>
+        <p:spPr/>
+        <p:txBody>
+          <a:bodyPr/>
+          <a:lstStyle/>
+          <a:p>
+            <a:pPr algn="ctr"/>
+            <a:r>
+              <a:rPr lang="hu-HU" b="1" dirty="0"/>
+              <a:t>Kommunikáció</a:t>
+            </a:r>
+          </a:p>
+        </p:txBody>
+      </p:sp>
+      <p:sp>
+        <p:nvSpPr>
+          <p:cNvPr id="3" name="Tartalom helye 2">
+            <a:extLst>
+              <a:ext uri="{FF2B5EF4-FFF2-40B4-BE49-F238E27FC236}">
+                <a16:creationId xmlns:a16="http://schemas.microsoft.com/office/drawing/2014/main" id="{7F55EC5F-8FE2-403F-9E41-BAC3FDB77FE3}"/>
+              </a:ext>
+            </a:extLst>
+          </p:cNvPr>
+          <p:cNvSpPr>
+            <a:spLocks noGrp="1"/>
+          </p:cNvSpPr>
+          <p:nvPr>
+            <p:ph idx="1"/>
+          </p:nvPr>
+        </p:nvSpPr>
+        <p:spPr/>
+        <p:txBody>
+          <a:bodyPr/>
+          <a:lstStyle/>
+          <a:p>
+            <a:endParaRPr lang="hu-HU"/>
+          </a:p>
+        </p:txBody>
+      </p:sp>
+    </p:spTree>
+    <p:extLst>
+      <p:ext uri="{BB962C8B-B14F-4D97-AF65-F5344CB8AC3E}">
+        <p14:creationId xmlns:p14="http://schemas.microsoft.com/office/powerpoint/2010/main" val="4082415236"/>
+      </p:ext>
+    </p:extLst>
+  </p:cSld>
+  <p:clrMapOvr>
+    <a:masterClrMapping/>
+  </p:clrMapOvr>
+</p:sld>
+</file>
+
+<file path=ppt/slides/slide11.xml><?xml version="1.0" encoding="utf-8"?>
+<p:sld xmlns:a="http://schemas.openxmlformats.org/drawingml/2006/main" xmlns:r="http://schemas.openxmlformats.org/officeDocument/2006/relationships" xmlns:p="http://schemas.openxmlformats.org/presentationml/2006/main">
+  <p:cSld>
+    <p:spTree>
+      <p:nvGrpSpPr>
+        <p:cNvPr id="1" name=""/>
+        <p:cNvGrpSpPr/>
+        <p:nvPr/>
+      </p:nvGrpSpPr>
+      <p:grpSpPr>
+        <a:xfrm>
+          <a:off x="0" y="0"/>
+          <a:ext cx="0" cy="0"/>
+          <a:chOff x="0" y="0"/>
+          <a:chExt cx="0" cy="0"/>
+        </a:xfrm>
+      </p:grpSpPr>
+      <p:sp>
+        <p:nvSpPr>
           <p:cNvPr id="2" name="Cím 1"/>
           <p:cNvSpPr>
             <a:spLocks noGrp="1"/>
@@ -3171,10 +3240,9 @@
           <a:p>
             <a:pPr algn="ctr"/>
             <a:r>
-              <a:rPr lang="hu-HU" b="1" dirty="0" smtClean="0"/>
+              <a:rPr lang="hu-HU" b="1" dirty="0"/>
               <a:t>Főoldal</a:t>
             </a:r>
-            <a:endParaRPr lang="hu-HU" b="1" dirty="0"/>
           </a:p>
         </p:txBody>
       </p:sp>
@@ -3223,7 +3291,7 @@
 </p:sld>
 </file>
 
-<file path=ppt/slides/slide11.xml><?xml version="1.0" encoding="utf-8"?>
+<file path=ppt/slides/slide12.xml><?xml version="1.0" encoding="utf-8"?>
 <p:sld xmlns:a="http://schemas.openxmlformats.org/drawingml/2006/main" xmlns:r="http://schemas.openxmlformats.org/officeDocument/2006/relationships" xmlns:p="http://schemas.openxmlformats.org/presentationml/2006/main">
   <p:cSld>
     <p:spTree>
@@ -3257,10 +3325,9 @@
           <a:p>
             <a:pPr algn="ctr"/>
             <a:r>
-              <a:rPr lang="hu-HU" b="1" dirty="0" smtClean="0"/>
+              <a:rPr lang="hu-HU" b="1" dirty="0"/>
               <a:t>Regisztráció</a:t>
             </a:r>
-            <a:endParaRPr lang="hu-HU" b="1" dirty="0"/>
           </a:p>
         </p:txBody>
       </p:sp>
@@ -3303,7 +3370,7 @@
 </p:sld>
 </file>
 
-<file path=ppt/slides/slide12.xml><?xml version="1.0" encoding="utf-8"?>
+<file path=ppt/slides/slide13.xml><?xml version="1.0" encoding="utf-8"?>
 <p:sld xmlns:a="http://schemas.openxmlformats.org/drawingml/2006/main" xmlns:r="http://schemas.openxmlformats.org/officeDocument/2006/relationships" xmlns:p="http://schemas.openxmlformats.org/presentationml/2006/main">
   <p:cSld>
     <p:spTree>
@@ -3337,10 +3404,9 @@
           <a:p>
             <a:pPr algn="ctr"/>
             <a:r>
-              <a:rPr lang="hu-HU" b="1" dirty="0" smtClean="0"/>
+              <a:rPr lang="hu-HU" b="1" dirty="0"/>
               <a:t>Bejelentkezés</a:t>
             </a:r>
-            <a:endParaRPr lang="hu-HU" b="1" dirty="0"/>
           </a:p>
         </p:txBody>
       </p:sp>
@@ -3383,7 +3449,7 @@
 </p:sld>
 </file>
 
-<file path=ppt/slides/slide13.xml><?xml version="1.0" encoding="utf-8"?>
+<file path=ppt/slides/slide14.xml><?xml version="1.0" encoding="utf-8"?>
 <p:sld xmlns:a="http://schemas.openxmlformats.org/drawingml/2006/main" xmlns:r="http://schemas.openxmlformats.org/officeDocument/2006/relationships" xmlns:p="http://schemas.openxmlformats.org/presentationml/2006/main">
   <p:cSld>
     <p:spTree>
@@ -3417,7 +3483,7 @@
           <a:p>
             <a:pPr algn="ctr"/>
             <a:r>
-              <a:rPr lang="hu-HU" b="1" dirty="0" err="1" smtClean="0"/>
+              <a:rPr lang="hu-HU" b="1" dirty="0" err="1"/>
               <a:t>Quizeink</a:t>
             </a:r>
             <a:endParaRPr lang="hu-HU" b="1" dirty="0"/>
@@ -3497,10 +3563,9 @@
           <a:p>
             <a:pPr algn="ctr"/>
             <a:r>
-              <a:rPr lang="hu-HU" b="1" dirty="0" smtClean="0"/>
+              <a:rPr lang="hu-HU" b="1" dirty="0"/>
               <a:t>Bevezető</a:t>
             </a:r>
-            <a:endParaRPr lang="hu-HU" b="1" dirty="0"/>
           </a:p>
         </p:txBody>
       </p:sp>
@@ -3586,10 +3651,9 @@
           <a:p>
             <a:pPr algn="ctr"/>
             <a:r>
-              <a:rPr lang="hu-HU" b="1" dirty="0" smtClean="0"/>
+              <a:rPr lang="hu-HU" b="1" dirty="0"/>
               <a:t>Munkafelosztás</a:t>
             </a:r>
-            <a:endParaRPr lang="hu-HU" b="1" dirty="0"/>
           </a:p>
         </p:txBody>
       </p:sp>
@@ -3615,14 +3679,13 @@
           <a:p>
             <a:pPr algn="ctr"/>
             <a:r>
-              <a:rPr lang="hu-HU" dirty="0" err="1" smtClean="0"/>
+              <a:rPr lang="hu-HU" dirty="0" err="1"/>
               <a:t>Biró</a:t>
             </a:r>
             <a:r>
-              <a:rPr lang="hu-HU" dirty="0" smtClean="0"/>
+              <a:rPr lang="hu-HU" dirty="0"/>
               <a:t> Márk</a:t>
             </a:r>
-            <a:endParaRPr lang="hu-HU" dirty="0"/>
           </a:p>
         </p:txBody>
       </p:sp>
@@ -3649,14 +3712,14 @@
             <a:pPr marL="0" indent="0" algn="ctr">
               <a:buNone/>
             </a:pPr>
-            <a:endParaRPr lang="hu-HU" b="1" dirty="0" smtClean="0"/>
+            <a:endParaRPr lang="hu-HU" b="1" dirty="0"/>
           </a:p>
           <a:p>
             <a:pPr marL="0" indent="0" algn="ctr">
               <a:buNone/>
             </a:pPr>
             <a:r>
-              <a:rPr lang="hu-HU" b="1" dirty="0" smtClean="0"/>
+              <a:rPr lang="hu-HU" b="1" dirty="0"/>
               <a:t>Frontend</a:t>
             </a:r>
           </a:p>
@@ -3696,14 +3759,13 @@
           <a:p>
             <a:pPr algn="ctr"/>
             <a:r>
-              <a:rPr lang="hu-HU" dirty="0" err="1" smtClean="0"/>
+              <a:rPr lang="hu-HU" dirty="0" err="1"/>
               <a:t>Karanyicz</a:t>
             </a:r>
             <a:r>
-              <a:rPr lang="hu-HU" dirty="0" smtClean="0"/>
+              <a:rPr lang="hu-HU" dirty="0"/>
               <a:t> Gábor</a:t>
             </a:r>
-            <a:endParaRPr lang="hu-HU" dirty="0"/>
           </a:p>
         </p:txBody>
       </p:sp>
@@ -3737,10 +3799,9 @@
               <a:buNone/>
             </a:pPr>
             <a:r>
-              <a:rPr lang="hu-HU" b="1" dirty="0" smtClean="0"/>
+              <a:rPr lang="hu-HU" b="1" dirty="0"/>
               <a:t>Backend</a:t>
             </a:r>
-            <a:endParaRPr lang="hu-HU" b="1" dirty="0"/>
           </a:p>
         </p:txBody>
       </p:sp>
@@ -3974,17 +4035,17 @@
             <a:pPr marL="0" indent="0" algn="ctr">
               <a:buNone/>
             </a:pPr>
-            <a:endParaRPr lang="hu-HU" b="1" dirty="0" smtClean="0"/>
+            <a:endParaRPr lang="hu-HU" b="1" dirty="0"/>
           </a:p>
           <a:p>
             <a:pPr marL="0" indent="0" algn="ctr">
               <a:buNone/>
             </a:pPr>
             <a:r>
-              <a:rPr lang="hu-HU" b="1" dirty="0" err="1" smtClean="0"/>
+              <a:rPr lang="hu-HU" b="1" dirty="0" err="1"/>
               <a:t>Database</a:t>
             </a:r>
-            <a:endParaRPr lang="hu-HU" b="1" dirty="0" smtClean="0"/>
+            <a:endParaRPr lang="hu-HU" b="1" dirty="0"/>
           </a:p>
         </p:txBody>
       </p:sp>
@@ -4217,14 +4278,13 @@
           <a:p>
             <a:pPr algn="ctr"/>
             <a:r>
-              <a:rPr lang="hu-HU" dirty="0" err="1" smtClean="0"/>
+              <a:rPr lang="hu-HU" dirty="0" err="1"/>
               <a:t>Peremiczky</a:t>
             </a:r>
             <a:r>
-              <a:rPr lang="hu-HU" dirty="0" smtClean="0"/>
+              <a:rPr lang="hu-HU" dirty="0"/>
               <a:t> István</a:t>
             </a:r>
-            <a:endParaRPr lang="hu-HU" dirty="0"/>
           </a:p>
         </p:txBody>
       </p:sp>
@@ -4329,11 +4389,11 @@
           <a:p>
             <a:pPr algn="ctr"/>
             <a:r>
-              <a:rPr lang="hu-HU" dirty="0" smtClean="0"/>
+              <a:rPr lang="hu-HU" dirty="0"/>
               <a:t>Frontend </a:t>
             </a:r>
             <a:r>
-              <a:rPr lang="hu-HU" dirty="0" err="1" smtClean="0"/>
+              <a:rPr lang="hu-HU" dirty="0" err="1"/>
               <a:t>React</a:t>
             </a:r>
             <a:endParaRPr lang="hu-HU" dirty="0"/>
@@ -4465,12 +4525,8 @@
           <a:p>
             <a:pPr algn="ctr"/>
             <a:r>
-              <a:rPr lang="hu-HU" sz="800" b="1" dirty="0" smtClean="0"/>
-              <a:t>Backend </a:t>
-            </a:r>
-            <a:r>
               <a:rPr lang="hu-HU" sz="800" b="1" dirty="0"/>
-              <a:t>(Web API, ASP.NET CORE)</a:t>
+              <a:t>Backend (Web API, ASP.NET CORE)</a:t>
             </a:r>
           </a:p>
         </p:txBody>
@@ -4499,12 +4555,8 @@
               <a:buNone/>
             </a:pPr>
             <a:r>
-              <a:rPr lang="hu-HU" sz="2400" dirty="0" smtClean="0"/>
-              <a:t>A </a:t>
-            </a:r>
-            <a:r>
               <a:rPr lang="hu-HU" sz="2400" dirty="0"/>
-              <a:t>backend fejlesztés egy kritikus komponense a webalkalmazásoknak, amely a szerveroldali logikára, adatbázis-kezelésre és API-</a:t>
+              <a:t>A backend fejlesztés egy kritikus komponense a webalkalmazásoknak, amely a szerveroldali logikára, adatbázis-kezelésre és API-</a:t>
             </a:r>
             <a:r>
               <a:rPr lang="hu-HU" sz="2400" dirty="0" err="1"/>
@@ -4754,7 +4806,7 @@
           <a:p>
             <a:pPr algn="ctr"/>
             <a:r>
-              <a:rPr lang="hu-HU" b="1" dirty="0" err="1" smtClean="0"/>
+              <a:rPr lang="hu-HU" b="1" dirty="0" err="1"/>
               <a:t>Github</a:t>
             </a:r>
             <a:endParaRPr lang="hu-HU" b="1" dirty="0"/>
@@ -4834,7 +4886,7 @@
           <a:p>
             <a:pPr algn="ctr"/>
             <a:r>
-              <a:rPr lang="hu-HU" b="1" dirty="0" err="1" smtClean="0"/>
+              <a:rPr lang="hu-HU" b="1" dirty="0" err="1"/>
               <a:t>Branchek</a:t>
             </a:r>
             <a:endParaRPr lang="hu-HU" b="1" dirty="0"/>
@@ -4914,7 +4966,7 @@
           <a:p>
             <a:pPr algn="ctr"/>
             <a:r>
-              <a:rPr lang="hu-HU" b="1" dirty="0" err="1" smtClean="0"/>
+              <a:rPr lang="hu-HU" b="1" dirty="0" err="1"/>
               <a:t>Trello</a:t>
             </a:r>
             <a:endParaRPr lang="hu-HU" b="1" dirty="0"/>

--- a/IQInfinity.pptx
+++ b/IQInfinity.pptx
@@ -14,8 +14,8 @@
     <p:sldId id="260" r:id="rId8"/>
     <p:sldId id="261" r:id="rId9"/>
     <p:sldId id="262" r:id="rId10"/>
-    <p:sldId id="270" r:id="rId11"/>
-    <p:sldId id="266" r:id="rId12"/>
+    <p:sldId id="266" r:id="rId11"/>
+    <p:sldId id="270" r:id="rId12"/>
     <p:sldId id="267" r:id="rId13"/>
     <p:sldId id="268" r:id="rId14"/>
     <p:sldId id="269" r:id="rId15"/>
@@ -254,7 +254,7 @@
           <a:p>
             <a:fld id="{6741845F-BA50-4D9E-9A45-5D6EF02B0166}" type="datetimeFigureOut">
               <a:rPr lang="hu-HU" smtClean="0"/>
-              <a:t>2025. 04. 04.</a:t>
+              <a:t>2025. 04. 07.</a:t>
             </a:fld>
             <a:endParaRPr lang="hu-HU"/>
           </a:p>
@@ -422,7 +422,7 @@
           <a:p>
             <a:fld id="{6741845F-BA50-4D9E-9A45-5D6EF02B0166}" type="datetimeFigureOut">
               <a:rPr lang="hu-HU" smtClean="0"/>
-              <a:t>2025. 04. 04.</a:t>
+              <a:t>2025. 04. 07.</a:t>
             </a:fld>
             <a:endParaRPr lang="hu-HU"/>
           </a:p>
@@ -600,7 +600,7 @@
           <a:p>
             <a:fld id="{6741845F-BA50-4D9E-9A45-5D6EF02B0166}" type="datetimeFigureOut">
               <a:rPr lang="hu-HU" smtClean="0"/>
-              <a:t>2025. 04. 04.</a:t>
+              <a:t>2025. 04. 07.</a:t>
             </a:fld>
             <a:endParaRPr lang="hu-HU"/>
           </a:p>
@@ -768,7 +768,7 @@
           <a:p>
             <a:fld id="{6741845F-BA50-4D9E-9A45-5D6EF02B0166}" type="datetimeFigureOut">
               <a:rPr lang="hu-HU" smtClean="0"/>
-              <a:t>2025. 04. 04.</a:t>
+              <a:t>2025. 04. 07.</a:t>
             </a:fld>
             <a:endParaRPr lang="hu-HU"/>
           </a:p>
@@ -1013,7 +1013,7 @@
           <a:p>
             <a:fld id="{6741845F-BA50-4D9E-9A45-5D6EF02B0166}" type="datetimeFigureOut">
               <a:rPr lang="hu-HU" smtClean="0"/>
-              <a:t>2025. 04. 04.</a:t>
+              <a:t>2025. 04. 07.</a:t>
             </a:fld>
             <a:endParaRPr lang="hu-HU"/>
           </a:p>
@@ -1242,7 +1242,7 @@
           <a:p>
             <a:fld id="{6741845F-BA50-4D9E-9A45-5D6EF02B0166}" type="datetimeFigureOut">
               <a:rPr lang="hu-HU" smtClean="0"/>
-              <a:t>2025. 04. 04.</a:t>
+              <a:t>2025. 04. 07.</a:t>
             </a:fld>
             <a:endParaRPr lang="hu-HU"/>
           </a:p>
@@ -1606,7 +1606,7 @@
           <a:p>
             <a:fld id="{6741845F-BA50-4D9E-9A45-5D6EF02B0166}" type="datetimeFigureOut">
               <a:rPr lang="hu-HU" smtClean="0"/>
-              <a:t>2025. 04. 04.</a:t>
+              <a:t>2025. 04. 07.</a:t>
             </a:fld>
             <a:endParaRPr lang="hu-HU"/>
           </a:p>
@@ -1723,7 +1723,7 @@
           <a:p>
             <a:fld id="{6741845F-BA50-4D9E-9A45-5D6EF02B0166}" type="datetimeFigureOut">
               <a:rPr lang="hu-HU" smtClean="0"/>
-              <a:t>2025. 04. 04.</a:t>
+              <a:t>2025. 04. 07.</a:t>
             </a:fld>
             <a:endParaRPr lang="hu-HU"/>
           </a:p>
@@ -1818,7 +1818,7 @@
           <a:p>
             <a:fld id="{6741845F-BA50-4D9E-9A45-5D6EF02B0166}" type="datetimeFigureOut">
               <a:rPr lang="hu-HU" smtClean="0"/>
-              <a:t>2025. 04. 04.</a:t>
+              <a:t>2025. 04. 07.</a:t>
             </a:fld>
             <a:endParaRPr lang="hu-HU"/>
           </a:p>
@@ -2093,7 +2093,7 @@
           <a:p>
             <a:fld id="{6741845F-BA50-4D9E-9A45-5D6EF02B0166}" type="datetimeFigureOut">
               <a:rPr lang="hu-HU" smtClean="0"/>
-              <a:t>2025. 04. 04.</a:t>
+              <a:t>2025. 04. 07.</a:t>
             </a:fld>
             <a:endParaRPr lang="hu-HU"/>
           </a:p>
@@ -2345,7 +2345,7 @@
           <a:p>
             <a:fld id="{6741845F-BA50-4D9E-9A45-5D6EF02B0166}" type="datetimeFigureOut">
               <a:rPr lang="hu-HU" smtClean="0"/>
-              <a:t>2025. 04. 04.</a:t>
+              <a:t>2025. 04. 07.</a:t>
             </a:fld>
             <a:endParaRPr lang="hu-HU"/>
           </a:p>
@@ -2556,7 +2556,7 @@
           <a:p>
             <a:fld id="{6741845F-BA50-4D9E-9A45-5D6EF02B0166}" type="datetimeFigureOut">
               <a:rPr lang="hu-HU" smtClean="0"/>
-              <a:t>2025. 04. 04.</a:t>
+              <a:t>2025. 04. 07.</a:t>
             </a:fld>
             <a:endParaRPr lang="hu-HU"/>
           </a:p>
@@ -3141,90 +3141,6 @@
       </p:grpSpPr>
       <p:sp>
         <p:nvSpPr>
-          <p:cNvPr id="2" name="Cím 1">
-            <a:extLst>
-              <a:ext uri="{FF2B5EF4-FFF2-40B4-BE49-F238E27FC236}">
-                <a16:creationId xmlns:a16="http://schemas.microsoft.com/office/drawing/2014/main" id="{5E0D560E-CC2C-4C8C-A363-52FD83CD9F16}"/>
-              </a:ext>
-            </a:extLst>
-          </p:cNvPr>
-          <p:cNvSpPr>
-            <a:spLocks noGrp="1"/>
-          </p:cNvSpPr>
-          <p:nvPr>
-            <p:ph type="title"/>
-          </p:nvPr>
-        </p:nvSpPr>
-        <p:spPr/>
-        <p:txBody>
-          <a:bodyPr/>
-          <a:lstStyle/>
-          <a:p>
-            <a:pPr algn="ctr"/>
-            <a:r>
-              <a:rPr lang="hu-HU" b="1" dirty="0"/>
-              <a:t>Kommunikáció</a:t>
-            </a:r>
-          </a:p>
-        </p:txBody>
-      </p:sp>
-      <p:sp>
-        <p:nvSpPr>
-          <p:cNvPr id="3" name="Tartalom helye 2">
-            <a:extLst>
-              <a:ext uri="{FF2B5EF4-FFF2-40B4-BE49-F238E27FC236}">
-                <a16:creationId xmlns:a16="http://schemas.microsoft.com/office/drawing/2014/main" id="{7F55EC5F-8FE2-403F-9E41-BAC3FDB77FE3}"/>
-              </a:ext>
-            </a:extLst>
-          </p:cNvPr>
-          <p:cNvSpPr>
-            <a:spLocks noGrp="1"/>
-          </p:cNvSpPr>
-          <p:nvPr>
-            <p:ph idx="1"/>
-          </p:nvPr>
-        </p:nvSpPr>
-        <p:spPr/>
-        <p:txBody>
-          <a:bodyPr/>
-          <a:lstStyle/>
-          <a:p>
-            <a:endParaRPr lang="hu-HU"/>
-          </a:p>
-        </p:txBody>
-      </p:sp>
-    </p:spTree>
-    <p:extLst>
-      <p:ext uri="{BB962C8B-B14F-4D97-AF65-F5344CB8AC3E}">
-        <p14:creationId xmlns:p14="http://schemas.microsoft.com/office/powerpoint/2010/main" val="4082415236"/>
-      </p:ext>
-    </p:extLst>
-  </p:cSld>
-  <p:clrMapOvr>
-    <a:masterClrMapping/>
-  </p:clrMapOvr>
-</p:sld>
-</file>
-
-<file path=ppt/slides/slide11.xml><?xml version="1.0" encoding="utf-8"?>
-<p:sld xmlns:a="http://schemas.openxmlformats.org/drawingml/2006/main" xmlns:r="http://schemas.openxmlformats.org/officeDocument/2006/relationships" xmlns:p="http://schemas.openxmlformats.org/presentationml/2006/main">
-  <p:cSld>
-    <p:spTree>
-      <p:nvGrpSpPr>
-        <p:cNvPr id="1" name=""/>
-        <p:cNvGrpSpPr/>
-        <p:nvPr/>
-      </p:nvGrpSpPr>
-      <p:grpSpPr>
-        <a:xfrm>
-          <a:off x="0" y="0"/>
-          <a:ext cx="0" cy="0"/>
-          <a:chOff x="0" y="0"/>
-          <a:chExt cx="0" cy="0"/>
-        </a:xfrm>
-      </p:grpSpPr>
-      <p:sp>
-        <p:nvSpPr>
           <p:cNvPr id="2" name="Cím 1"/>
           <p:cNvSpPr>
             <a:spLocks noGrp="1"/>
@@ -3291,6 +3207,236 @@
 </p:sld>
 </file>
 
+<file path=ppt/slides/slide11.xml><?xml version="1.0" encoding="utf-8"?>
+<p:sld xmlns:a="http://schemas.openxmlformats.org/drawingml/2006/main" xmlns:r="http://schemas.openxmlformats.org/officeDocument/2006/relationships" xmlns:p="http://schemas.openxmlformats.org/presentationml/2006/main">
+  <p:cSld>
+    <p:spTree>
+      <p:nvGrpSpPr>
+        <p:cNvPr id="1" name=""/>
+        <p:cNvGrpSpPr/>
+        <p:nvPr/>
+      </p:nvGrpSpPr>
+      <p:grpSpPr>
+        <a:xfrm>
+          <a:off x="0" y="0"/>
+          <a:ext cx="0" cy="0"/>
+          <a:chOff x="0" y="0"/>
+          <a:chExt cx="0" cy="0"/>
+        </a:xfrm>
+      </p:grpSpPr>
+      <p:sp>
+        <p:nvSpPr>
+          <p:cNvPr id="2" name="Cím 1">
+            <a:extLst>
+              <a:ext uri="{FF2B5EF4-FFF2-40B4-BE49-F238E27FC236}">
+                <a16:creationId xmlns:a16="http://schemas.microsoft.com/office/drawing/2014/main" id="{F25D5EBF-061C-4863-9F50-609100484E20}"/>
+              </a:ext>
+            </a:extLst>
+          </p:cNvPr>
+          <p:cNvSpPr>
+            <a:spLocks noGrp="1"/>
+          </p:cNvSpPr>
+          <p:nvPr>
+            <p:ph type="title"/>
+          </p:nvPr>
+        </p:nvSpPr>
+        <p:spPr/>
+        <p:txBody>
+          <a:bodyPr/>
+          <a:lstStyle/>
+          <a:p>
+            <a:pPr algn="ctr"/>
+            <a:r>
+              <a:rPr lang="hu-HU" b="1" dirty="0"/>
+              <a:t>Kommunikáció</a:t>
+            </a:r>
+          </a:p>
+        </p:txBody>
+      </p:sp>
+      <p:sp>
+        <p:nvSpPr>
+          <p:cNvPr id="3" name="Szöveg helye 2">
+            <a:extLst>
+              <a:ext uri="{FF2B5EF4-FFF2-40B4-BE49-F238E27FC236}">
+                <a16:creationId xmlns:a16="http://schemas.microsoft.com/office/drawing/2014/main" id="{9C877783-304B-4CD0-B764-C16A873CD110}"/>
+              </a:ext>
+            </a:extLst>
+          </p:cNvPr>
+          <p:cNvSpPr>
+            <a:spLocks noGrp="1"/>
+          </p:cNvSpPr>
+          <p:nvPr>
+            <p:ph type="body" idx="1"/>
+          </p:nvPr>
+        </p:nvSpPr>
+        <p:spPr/>
+        <p:txBody>
+          <a:bodyPr/>
+          <a:lstStyle/>
+          <a:p>
+            <a:pPr algn="ctr"/>
+            <a:r>
+              <a:rPr lang="hu-HU" dirty="0" err="1"/>
+              <a:t>Discord</a:t>
+            </a:r>
+            <a:endParaRPr lang="hu-HU" dirty="0"/>
+          </a:p>
+        </p:txBody>
+      </p:sp>
+      <p:sp>
+        <p:nvSpPr>
+          <p:cNvPr id="4" name="Tartalom helye 3">
+            <a:extLst>
+              <a:ext uri="{FF2B5EF4-FFF2-40B4-BE49-F238E27FC236}">
+                <a16:creationId xmlns:a16="http://schemas.microsoft.com/office/drawing/2014/main" id="{F05F275D-1E06-4141-B581-2D0E8B9E5881}"/>
+              </a:ext>
+            </a:extLst>
+          </p:cNvPr>
+          <p:cNvSpPr>
+            <a:spLocks noGrp="1"/>
+          </p:cNvSpPr>
+          <p:nvPr>
+            <p:ph sz="half" idx="2"/>
+          </p:nvPr>
+        </p:nvSpPr>
+        <p:spPr/>
+        <p:txBody>
+          <a:bodyPr>
+            <a:noAutofit/>
+          </a:bodyPr>
+          <a:lstStyle/>
+          <a:p>
+            <a:pPr marL="0" indent="0" algn="just">
+              <a:lnSpc>
+                <a:spcPct val="170000"/>
+              </a:lnSpc>
+              <a:buNone/>
+            </a:pPr>
+            <a:r>
+              <a:rPr lang="hu-HU" sz="1600" dirty="0"/>
+              <a:t>A </a:t>
+            </a:r>
+            <a:r>
+              <a:rPr lang="hu-HU" sz="1600" dirty="0" err="1"/>
+              <a:t>Discord</a:t>
+            </a:r>
+            <a:r>
+              <a:rPr lang="hu-HU" sz="1600" dirty="0"/>
+              <a:t> egy ingyenes kommunikációs platform, amelyet főként </a:t>
+            </a:r>
+            <a:r>
+              <a:rPr lang="hu-HU" sz="1600" dirty="0" err="1"/>
+              <a:t>gamerek</a:t>
+            </a:r>
+            <a:r>
+              <a:rPr lang="hu-HU" sz="1600" dirty="0"/>
+              <a:t> körében tettek népszerűvé, de mára már széles körben használják közösségek, tanulócsoportok és munkahelyi csapatok is. Lehetővé teszi a szöveges, hang- és videóalapú kommunikációt, valamint saját szerverek és csatornák létrehozását, ahol a felhasználók témák szerint tudnak beszélgetni. Egyszerű kezelhetősége és testreszabhatósága miatt sokan választják online közösségek kialakításához.</a:t>
+            </a:r>
+          </a:p>
+        </p:txBody>
+      </p:sp>
+      <p:sp>
+        <p:nvSpPr>
+          <p:cNvPr id="5" name="Szöveg helye 4">
+            <a:extLst>
+              <a:ext uri="{FF2B5EF4-FFF2-40B4-BE49-F238E27FC236}">
+                <a16:creationId xmlns:a16="http://schemas.microsoft.com/office/drawing/2014/main" id="{DF4DD81A-68FE-466D-91CA-3D9FF35E20FD}"/>
+              </a:ext>
+            </a:extLst>
+          </p:cNvPr>
+          <p:cNvSpPr>
+            <a:spLocks noGrp="1"/>
+          </p:cNvSpPr>
+          <p:nvPr>
+            <p:ph type="body" sz="quarter" idx="3"/>
+          </p:nvPr>
+        </p:nvSpPr>
+        <p:spPr/>
+        <p:txBody>
+          <a:bodyPr/>
+          <a:lstStyle/>
+          <a:p>
+            <a:pPr algn="ctr"/>
+            <a:r>
+              <a:rPr lang="hu-HU" dirty="0"/>
+              <a:t>Messenger</a:t>
+            </a:r>
+          </a:p>
+        </p:txBody>
+      </p:sp>
+      <p:sp>
+        <p:nvSpPr>
+          <p:cNvPr id="6" name="Tartalom helye 5">
+            <a:extLst>
+              <a:ext uri="{FF2B5EF4-FFF2-40B4-BE49-F238E27FC236}">
+                <a16:creationId xmlns:a16="http://schemas.microsoft.com/office/drawing/2014/main" id="{E8040542-A79F-4BA8-B05D-BA5DEF0F0C08}"/>
+              </a:ext>
+            </a:extLst>
+          </p:cNvPr>
+          <p:cNvSpPr>
+            <a:spLocks noGrp="1"/>
+          </p:cNvSpPr>
+          <p:nvPr>
+            <p:ph sz="quarter" idx="4"/>
+          </p:nvPr>
+        </p:nvSpPr>
+        <p:spPr/>
+        <p:txBody>
+          <a:bodyPr>
+            <a:noAutofit/>
+          </a:bodyPr>
+          <a:lstStyle/>
+          <a:p>
+            <a:pPr marL="0" indent="0" algn="just">
+              <a:lnSpc>
+                <a:spcPct val="170000"/>
+              </a:lnSpc>
+              <a:buNone/>
+            </a:pPr>
+            <a:r>
+              <a:rPr lang="hu-HU" sz="1600" dirty="0"/>
+              <a:t>A Messenger a </a:t>
+            </a:r>
+            <a:r>
+              <a:rPr lang="hu-HU" sz="1600" dirty="0" err="1"/>
+              <a:t>Meta</a:t>
+            </a:r>
+            <a:r>
+              <a:rPr lang="hu-HU" sz="1600" dirty="0"/>
+              <a:t> (korábban Facebook) által fejlesztett üzenetküldő alkalmazás, amely lehetővé teszi a felhasználók számára, hogy szöveges üzeneteket, képeket, videókat és hangüzeneteket küldjenek egymásnak. Emellett támogatja a hang- és videóhívásokat is, valamint különféle matricákkal, </a:t>
+            </a:r>
+            <a:r>
+              <a:rPr lang="hu-HU" sz="1600" dirty="0" err="1"/>
+              <a:t>gifekkel</a:t>
+            </a:r>
+            <a:r>
+              <a:rPr lang="hu-HU" sz="1600" dirty="0"/>
+              <a:t> és reakciókkal színesíthetők a beszélgetések. A Messenger szorosan </a:t>
+            </a:r>
+            <a:r>
+              <a:rPr lang="hu-HU" sz="1600" dirty="0" err="1"/>
+              <a:t>integrálódik</a:t>
+            </a:r>
+            <a:r>
+              <a:rPr lang="hu-HU" sz="1600" dirty="0"/>
+              <a:t> a Facebookkal, de önálló alkalmazásként is használható okostelefonokon és weben keresztül.</a:t>
+            </a:r>
+          </a:p>
+        </p:txBody>
+      </p:sp>
+    </p:spTree>
+    <p:extLst>
+      <p:ext uri="{BB962C8B-B14F-4D97-AF65-F5344CB8AC3E}">
+        <p14:creationId xmlns:p14="http://schemas.microsoft.com/office/powerpoint/2010/main" val="236945355"/>
+      </p:ext>
+    </p:extLst>
+  </p:cSld>
+  <p:clrMapOvr>
+    <a:masterClrMapping/>
+  </p:clrMapOvr>
+</p:sld>
+</file>
+
 <file path=ppt/slides/slide12.xml><?xml version="1.0" encoding="utf-8"?>
 <p:sld xmlns:a="http://schemas.openxmlformats.org/drawingml/2006/main" xmlns:r="http://schemas.openxmlformats.org/officeDocument/2006/relationships" xmlns:p="http://schemas.openxmlformats.org/presentationml/2006/main">
   <p:cSld>
@@ -3333,9 +3479,15 @@
       </p:sp>
       <p:pic>
         <p:nvPicPr>
-          <p:cNvPr id="4" name="Tartalom helye 3"/>
+          <p:cNvPr id="6" name="Tartalom helye 5">
+            <a:extLst>
+              <a:ext uri="{FF2B5EF4-FFF2-40B4-BE49-F238E27FC236}">
+                <a16:creationId xmlns:a16="http://schemas.microsoft.com/office/drawing/2014/main" id="{5DF26970-D2C5-46B8-AD46-BB5AD9F27DC9}"/>
+              </a:ext>
+            </a:extLst>
+          </p:cNvPr>
           <p:cNvPicPr>
-            <a:picLocks noGrp="1"/>
+            <a:picLocks noGrp="1" noChangeAspect="1"/>
           </p:cNvPicPr>
           <p:nvPr>
             <p:ph idx="1"/>
@@ -3349,8 +3501,8 @@
         </p:blipFill>
         <p:spPr>
           <a:xfrm>
-            <a:off x="1439050" y="1825625"/>
-            <a:ext cx="9313900" cy="4351338"/>
+            <a:off x="1631884" y="1825625"/>
+            <a:ext cx="8928231" cy="4351338"/>
           </a:xfrm>
           <a:prstGeom prst="rect">
             <a:avLst/>
@@ -3412,9 +3564,15 @@
       </p:sp>
       <p:pic>
         <p:nvPicPr>
-          <p:cNvPr id="4" name="Tartalom helye 3"/>
+          <p:cNvPr id="7" name="Tartalom helye 6">
+            <a:extLst>
+              <a:ext uri="{FF2B5EF4-FFF2-40B4-BE49-F238E27FC236}">
+                <a16:creationId xmlns:a16="http://schemas.microsoft.com/office/drawing/2014/main" id="{DE40DC52-FB67-4B40-952D-3E44610E9BA5}"/>
+              </a:ext>
+            </a:extLst>
+          </p:cNvPr>
           <p:cNvPicPr>
-            <a:picLocks noGrp="1"/>
+            <a:picLocks noGrp="1" noChangeAspect="1"/>
           </p:cNvPicPr>
           <p:nvPr>
             <p:ph idx="1"/>
@@ -3428,8 +3586,8 @@
         </p:blipFill>
         <p:spPr>
           <a:xfrm>
-            <a:off x="1172522" y="1825625"/>
-            <a:ext cx="9846955" cy="4351338"/>
+            <a:off x="1589760" y="1825625"/>
+            <a:ext cx="9012480" cy="4351338"/>
           </a:xfrm>
           <a:prstGeom prst="rect">
             <a:avLst/>
@@ -4973,25 +5131,49 @@
           </a:p>
         </p:txBody>
       </p:sp>
-      <p:sp>
-        <p:nvSpPr>
-          <p:cNvPr id="3" name="Tartalom helye 2"/>
-          <p:cNvSpPr>
-            <a:spLocks noGrp="1"/>
-          </p:cNvSpPr>
+      <p:pic>
+        <p:nvPicPr>
+          <p:cNvPr id="4" name="Tartalom helye 3">
+            <a:extLst>
+              <a:ext uri="{FF2B5EF4-FFF2-40B4-BE49-F238E27FC236}">
+                <a16:creationId xmlns:a16="http://schemas.microsoft.com/office/drawing/2014/main" id="{667054AC-55C7-41F6-9FC9-B1F891D6BE51}"/>
+              </a:ext>
+            </a:extLst>
+          </p:cNvPr>
+          <p:cNvPicPr>
+            <a:picLocks noGrp="1"/>
+          </p:cNvPicPr>
           <p:nvPr>
             <p:ph idx="1"/>
           </p:nvPr>
-        </p:nvSpPr>
-        <p:spPr/>
-        <p:txBody>
-          <a:bodyPr/>
-          <a:lstStyle/>
-          <a:p>
-            <a:endParaRPr lang="hu-HU"/>
-          </a:p>
-        </p:txBody>
-      </p:sp>
+        </p:nvPicPr>
+        <p:blipFill>
+          <a:blip r:embed="rId2" cstate="print">
+            <a:extLst>
+              <a:ext uri="{28A0092B-C50C-407E-A947-70E740481C1C}">
+                <a14:useLocalDpi xmlns:a14="http://schemas.microsoft.com/office/drawing/2010/main" val="0"/>
+              </a:ext>
+            </a:extLst>
+          </a:blip>
+          <a:srcRect/>
+          <a:stretch>
+            <a:fillRect/>
+          </a:stretch>
+        </p:blipFill>
+        <p:spPr bwMode="auto">
+          <a:xfrm>
+            <a:off x="1739033" y="1779464"/>
+            <a:ext cx="8713933" cy="4171872"/>
+          </a:xfrm>
+          <a:prstGeom prst="rect">
+            <a:avLst/>
+          </a:prstGeom>
+          <a:noFill/>
+          <a:ln>
+            <a:noFill/>
+          </a:ln>
+        </p:spPr>
+      </p:pic>
     </p:spTree>
     <p:extLst>
       <p:ext uri="{BB962C8B-B14F-4D97-AF65-F5344CB8AC3E}">

--- a/IQInfinity.pptx
+++ b/IQInfinity.pptx
@@ -6,19 +6,20 @@
   </p:sldMasterIdLst>
   <p:sldIdLst>
     <p:sldId id="256" r:id="rId2"/>
-    <p:sldId id="257" r:id="rId3"/>
-    <p:sldId id="259" r:id="rId4"/>
-    <p:sldId id="263" r:id="rId5"/>
-    <p:sldId id="264" r:id="rId6"/>
-    <p:sldId id="265" r:id="rId7"/>
-    <p:sldId id="260" r:id="rId8"/>
-    <p:sldId id="261" r:id="rId9"/>
-    <p:sldId id="262" r:id="rId10"/>
-    <p:sldId id="266" r:id="rId11"/>
-    <p:sldId id="270" r:id="rId12"/>
-    <p:sldId id="267" r:id="rId13"/>
-    <p:sldId id="268" r:id="rId14"/>
-    <p:sldId id="269" r:id="rId15"/>
+    <p:sldId id="259" r:id="rId3"/>
+    <p:sldId id="263" r:id="rId4"/>
+    <p:sldId id="264" r:id="rId5"/>
+    <p:sldId id="271" r:id="rId6"/>
+    <p:sldId id="272" r:id="rId7"/>
+    <p:sldId id="265" r:id="rId8"/>
+    <p:sldId id="260" r:id="rId9"/>
+    <p:sldId id="261" r:id="rId10"/>
+    <p:sldId id="262" r:id="rId11"/>
+    <p:sldId id="266" r:id="rId12"/>
+    <p:sldId id="270" r:id="rId13"/>
+    <p:sldId id="267" r:id="rId14"/>
+    <p:sldId id="268" r:id="rId15"/>
+    <p:sldId id="269" r:id="rId16"/>
   </p:sldIdLst>
   <p:sldSz cx="12192000" cy="6858000"/>
   <p:notesSz cx="6858000" cy="9144000"/>
@@ -254,7 +255,7 @@
           <a:p>
             <a:fld id="{6741845F-BA50-4D9E-9A45-5D6EF02B0166}" type="datetimeFigureOut">
               <a:rPr lang="hu-HU" smtClean="0"/>
-              <a:t>2025. 04. 07.</a:t>
+              <a:t>2025. 04. 09.</a:t>
             </a:fld>
             <a:endParaRPr lang="hu-HU"/>
           </a:p>
@@ -422,7 +423,7 @@
           <a:p>
             <a:fld id="{6741845F-BA50-4D9E-9A45-5D6EF02B0166}" type="datetimeFigureOut">
               <a:rPr lang="hu-HU" smtClean="0"/>
-              <a:t>2025. 04. 07.</a:t>
+              <a:t>2025. 04. 09.</a:t>
             </a:fld>
             <a:endParaRPr lang="hu-HU"/>
           </a:p>
@@ -600,7 +601,7 @@
           <a:p>
             <a:fld id="{6741845F-BA50-4D9E-9A45-5D6EF02B0166}" type="datetimeFigureOut">
               <a:rPr lang="hu-HU" smtClean="0"/>
-              <a:t>2025. 04. 07.</a:t>
+              <a:t>2025. 04. 09.</a:t>
             </a:fld>
             <a:endParaRPr lang="hu-HU"/>
           </a:p>
@@ -768,7 +769,7 @@
           <a:p>
             <a:fld id="{6741845F-BA50-4D9E-9A45-5D6EF02B0166}" type="datetimeFigureOut">
               <a:rPr lang="hu-HU" smtClean="0"/>
-              <a:t>2025. 04. 07.</a:t>
+              <a:t>2025. 04. 09.</a:t>
             </a:fld>
             <a:endParaRPr lang="hu-HU"/>
           </a:p>
@@ -1013,7 +1014,7 @@
           <a:p>
             <a:fld id="{6741845F-BA50-4D9E-9A45-5D6EF02B0166}" type="datetimeFigureOut">
               <a:rPr lang="hu-HU" smtClean="0"/>
-              <a:t>2025. 04. 07.</a:t>
+              <a:t>2025. 04. 09.</a:t>
             </a:fld>
             <a:endParaRPr lang="hu-HU"/>
           </a:p>
@@ -1242,7 +1243,7 @@
           <a:p>
             <a:fld id="{6741845F-BA50-4D9E-9A45-5D6EF02B0166}" type="datetimeFigureOut">
               <a:rPr lang="hu-HU" smtClean="0"/>
-              <a:t>2025. 04. 07.</a:t>
+              <a:t>2025. 04. 09.</a:t>
             </a:fld>
             <a:endParaRPr lang="hu-HU"/>
           </a:p>
@@ -1606,7 +1607,7 @@
           <a:p>
             <a:fld id="{6741845F-BA50-4D9E-9A45-5D6EF02B0166}" type="datetimeFigureOut">
               <a:rPr lang="hu-HU" smtClean="0"/>
-              <a:t>2025. 04. 07.</a:t>
+              <a:t>2025. 04. 09.</a:t>
             </a:fld>
             <a:endParaRPr lang="hu-HU"/>
           </a:p>
@@ -1723,7 +1724,7 @@
           <a:p>
             <a:fld id="{6741845F-BA50-4D9E-9A45-5D6EF02B0166}" type="datetimeFigureOut">
               <a:rPr lang="hu-HU" smtClean="0"/>
-              <a:t>2025. 04. 07.</a:t>
+              <a:t>2025. 04. 09.</a:t>
             </a:fld>
             <a:endParaRPr lang="hu-HU"/>
           </a:p>
@@ -1818,7 +1819,7 @@
           <a:p>
             <a:fld id="{6741845F-BA50-4D9E-9A45-5D6EF02B0166}" type="datetimeFigureOut">
               <a:rPr lang="hu-HU" smtClean="0"/>
-              <a:t>2025. 04. 07.</a:t>
+              <a:t>2025. 04. 09.</a:t>
             </a:fld>
             <a:endParaRPr lang="hu-HU"/>
           </a:p>
@@ -2093,7 +2094,7 @@
           <a:p>
             <a:fld id="{6741845F-BA50-4D9E-9A45-5D6EF02B0166}" type="datetimeFigureOut">
               <a:rPr lang="hu-HU" smtClean="0"/>
-              <a:t>2025. 04. 07.</a:t>
+              <a:t>2025. 04. 09.</a:t>
             </a:fld>
             <a:endParaRPr lang="hu-HU"/>
           </a:p>
@@ -2345,7 +2346,7 @@
           <a:p>
             <a:fld id="{6741845F-BA50-4D9E-9A45-5D6EF02B0166}" type="datetimeFigureOut">
               <a:rPr lang="hu-HU" smtClean="0"/>
-              <a:t>2025. 04. 07.</a:t>
+              <a:t>2025. 04. 09.</a:t>
             </a:fld>
             <a:endParaRPr lang="hu-HU"/>
           </a:p>
@@ -2556,7 +2557,7 @@
           <a:p>
             <a:fld id="{6741845F-BA50-4D9E-9A45-5D6EF02B0166}" type="datetimeFigureOut">
               <a:rPr lang="hu-HU" smtClean="0"/>
-              <a:t>2025. 04. 07.</a:t>
+              <a:t>2025. 04. 09.</a:t>
             </a:fld>
             <a:endParaRPr lang="hu-HU"/>
           </a:p>
@@ -3156,15 +3157,22 @@
           <a:p>
             <a:pPr algn="ctr"/>
             <a:r>
-              <a:rPr lang="hu-HU" b="1" dirty="0"/>
-              <a:t>Főoldal</a:t>
-            </a:r>
+              <a:rPr lang="hu-HU" b="1" dirty="0" err="1"/>
+              <a:t>Trello</a:t>
+            </a:r>
+            <a:endParaRPr lang="hu-HU" b="1" dirty="0"/>
           </a:p>
         </p:txBody>
       </p:sp>
       <p:pic>
         <p:nvPicPr>
-          <p:cNvPr id="4" name="Tartalom helye 3"/>
+          <p:cNvPr id="4" name="Tartalom helye 3">
+            <a:extLst>
+              <a:ext uri="{FF2B5EF4-FFF2-40B4-BE49-F238E27FC236}">
+                <a16:creationId xmlns:a16="http://schemas.microsoft.com/office/drawing/2014/main" id="{667054AC-55C7-41F6-9FC9-B1F891D6BE51}"/>
+              </a:ext>
+            </a:extLst>
+          </p:cNvPr>
           <p:cNvPicPr>
             <a:picLocks noGrp="1"/>
           </p:cNvPicPr>
@@ -3180,24 +3188,29 @@
               </a:ext>
             </a:extLst>
           </a:blip>
+          <a:srcRect/>
           <a:stretch>
             <a:fillRect/>
           </a:stretch>
         </p:blipFill>
-        <p:spPr>
-          <a:xfrm>
-            <a:off x="1538021" y="1825625"/>
-            <a:ext cx="9115957" cy="4351338"/>
+        <p:spPr bwMode="auto">
+          <a:xfrm>
+            <a:off x="1739033" y="1779464"/>
+            <a:ext cx="8713933" cy="4171872"/>
           </a:xfrm>
           <a:prstGeom prst="rect">
             <a:avLst/>
           </a:prstGeom>
+          <a:noFill/>
+          <a:ln>
+            <a:noFill/>
+          </a:ln>
         </p:spPr>
       </p:pic>
     </p:spTree>
     <p:extLst>
       <p:ext uri="{BB962C8B-B14F-4D97-AF65-F5344CB8AC3E}">
-        <p14:creationId xmlns:p14="http://schemas.microsoft.com/office/powerpoint/2010/main" val="1713506718"/>
+        <p14:creationId xmlns:p14="http://schemas.microsoft.com/office/powerpoint/2010/main" val="1916872358"/>
       </p:ext>
     </p:extLst>
   </p:cSld>
@@ -3226,208 +3239,63 @@
       </p:grpSpPr>
       <p:sp>
         <p:nvSpPr>
-          <p:cNvPr id="2" name="Cím 1">
+          <p:cNvPr id="2" name="Cím 1"/>
+          <p:cNvSpPr>
+            <a:spLocks noGrp="1"/>
+          </p:cNvSpPr>
+          <p:nvPr>
+            <p:ph type="title"/>
+          </p:nvPr>
+        </p:nvSpPr>
+        <p:spPr/>
+        <p:txBody>
+          <a:bodyPr/>
+          <a:lstStyle/>
+          <a:p>
+            <a:pPr algn="ctr"/>
+            <a:r>
+              <a:rPr lang="hu-HU" b="1" dirty="0"/>
+              <a:t>Főoldal</a:t>
+            </a:r>
+          </a:p>
+        </p:txBody>
+      </p:sp>
+      <p:pic>
+        <p:nvPicPr>
+          <p:cNvPr id="4" name="Tartalom helye 3"/>
+          <p:cNvPicPr>
+            <a:picLocks noGrp="1"/>
+          </p:cNvPicPr>
+          <p:nvPr>
+            <p:ph idx="1"/>
+          </p:nvPr>
+        </p:nvPicPr>
+        <p:blipFill>
+          <a:blip r:embed="rId2" cstate="print">
             <a:extLst>
-              <a:ext uri="{FF2B5EF4-FFF2-40B4-BE49-F238E27FC236}">
-                <a16:creationId xmlns:a16="http://schemas.microsoft.com/office/drawing/2014/main" id="{F25D5EBF-061C-4863-9F50-609100484E20}"/>
+              <a:ext uri="{28A0092B-C50C-407E-A947-70E740481C1C}">
+                <a14:useLocalDpi xmlns:a14="http://schemas.microsoft.com/office/drawing/2010/main" val="0"/>
               </a:ext>
             </a:extLst>
-          </p:cNvPr>
-          <p:cNvSpPr>
-            <a:spLocks noGrp="1"/>
-          </p:cNvSpPr>
-          <p:nvPr>
-            <p:ph type="title"/>
-          </p:nvPr>
-        </p:nvSpPr>
-        <p:spPr/>
-        <p:txBody>
-          <a:bodyPr/>
-          <a:lstStyle/>
-          <a:p>
-            <a:pPr algn="ctr"/>
-            <a:r>
-              <a:rPr lang="hu-HU" b="1" dirty="0"/>
-              <a:t>Kommunikáció</a:t>
-            </a:r>
-          </a:p>
-        </p:txBody>
-      </p:sp>
-      <p:sp>
-        <p:nvSpPr>
-          <p:cNvPr id="3" name="Szöveg helye 2">
-            <a:extLst>
-              <a:ext uri="{FF2B5EF4-FFF2-40B4-BE49-F238E27FC236}">
-                <a16:creationId xmlns:a16="http://schemas.microsoft.com/office/drawing/2014/main" id="{9C877783-304B-4CD0-B764-C16A873CD110}"/>
-              </a:ext>
-            </a:extLst>
-          </p:cNvPr>
-          <p:cNvSpPr>
-            <a:spLocks noGrp="1"/>
-          </p:cNvSpPr>
-          <p:nvPr>
-            <p:ph type="body" idx="1"/>
-          </p:nvPr>
-        </p:nvSpPr>
-        <p:spPr/>
-        <p:txBody>
-          <a:bodyPr/>
-          <a:lstStyle/>
-          <a:p>
-            <a:pPr algn="ctr"/>
-            <a:r>
-              <a:rPr lang="hu-HU" dirty="0" err="1"/>
-              <a:t>Discord</a:t>
-            </a:r>
-            <a:endParaRPr lang="hu-HU" dirty="0"/>
-          </a:p>
-        </p:txBody>
-      </p:sp>
-      <p:sp>
-        <p:nvSpPr>
-          <p:cNvPr id="4" name="Tartalom helye 3">
-            <a:extLst>
-              <a:ext uri="{FF2B5EF4-FFF2-40B4-BE49-F238E27FC236}">
-                <a16:creationId xmlns:a16="http://schemas.microsoft.com/office/drawing/2014/main" id="{F05F275D-1E06-4141-B581-2D0E8B9E5881}"/>
-              </a:ext>
-            </a:extLst>
-          </p:cNvPr>
-          <p:cNvSpPr>
-            <a:spLocks noGrp="1"/>
-          </p:cNvSpPr>
-          <p:nvPr>
-            <p:ph sz="half" idx="2"/>
-          </p:nvPr>
-        </p:nvSpPr>
-        <p:spPr/>
-        <p:txBody>
-          <a:bodyPr>
-            <a:noAutofit/>
-          </a:bodyPr>
-          <a:lstStyle/>
-          <a:p>
-            <a:pPr marL="0" indent="0" algn="just">
-              <a:lnSpc>
-                <a:spcPct val="170000"/>
-              </a:lnSpc>
-              <a:buNone/>
-            </a:pPr>
-            <a:r>
-              <a:rPr lang="hu-HU" sz="1600" dirty="0"/>
-              <a:t>A </a:t>
-            </a:r>
-            <a:r>
-              <a:rPr lang="hu-HU" sz="1600" dirty="0" err="1"/>
-              <a:t>Discord</a:t>
-            </a:r>
-            <a:r>
-              <a:rPr lang="hu-HU" sz="1600" dirty="0"/>
-              <a:t> egy ingyenes kommunikációs platform, amelyet főként </a:t>
-            </a:r>
-            <a:r>
-              <a:rPr lang="hu-HU" sz="1600" dirty="0" err="1"/>
-              <a:t>gamerek</a:t>
-            </a:r>
-            <a:r>
-              <a:rPr lang="hu-HU" sz="1600" dirty="0"/>
-              <a:t> körében tettek népszerűvé, de mára már széles körben használják közösségek, tanulócsoportok és munkahelyi csapatok is. Lehetővé teszi a szöveges, hang- és videóalapú kommunikációt, valamint saját szerverek és csatornák létrehozását, ahol a felhasználók témák szerint tudnak beszélgetni. Egyszerű kezelhetősége és testreszabhatósága miatt sokan választják online közösségek kialakításához.</a:t>
-            </a:r>
-          </a:p>
-        </p:txBody>
-      </p:sp>
-      <p:sp>
-        <p:nvSpPr>
-          <p:cNvPr id="5" name="Szöveg helye 4">
-            <a:extLst>
-              <a:ext uri="{FF2B5EF4-FFF2-40B4-BE49-F238E27FC236}">
-                <a16:creationId xmlns:a16="http://schemas.microsoft.com/office/drawing/2014/main" id="{DF4DD81A-68FE-466D-91CA-3D9FF35E20FD}"/>
-              </a:ext>
-            </a:extLst>
-          </p:cNvPr>
-          <p:cNvSpPr>
-            <a:spLocks noGrp="1"/>
-          </p:cNvSpPr>
-          <p:nvPr>
-            <p:ph type="body" sz="quarter" idx="3"/>
-          </p:nvPr>
-        </p:nvSpPr>
-        <p:spPr/>
-        <p:txBody>
-          <a:bodyPr/>
-          <a:lstStyle/>
-          <a:p>
-            <a:pPr algn="ctr"/>
-            <a:r>
-              <a:rPr lang="hu-HU" dirty="0"/>
-              <a:t>Messenger</a:t>
-            </a:r>
-          </a:p>
-        </p:txBody>
-      </p:sp>
-      <p:sp>
-        <p:nvSpPr>
-          <p:cNvPr id="6" name="Tartalom helye 5">
-            <a:extLst>
-              <a:ext uri="{FF2B5EF4-FFF2-40B4-BE49-F238E27FC236}">
-                <a16:creationId xmlns:a16="http://schemas.microsoft.com/office/drawing/2014/main" id="{E8040542-A79F-4BA8-B05D-BA5DEF0F0C08}"/>
-              </a:ext>
-            </a:extLst>
-          </p:cNvPr>
-          <p:cNvSpPr>
-            <a:spLocks noGrp="1"/>
-          </p:cNvSpPr>
-          <p:nvPr>
-            <p:ph sz="quarter" idx="4"/>
-          </p:nvPr>
-        </p:nvSpPr>
-        <p:spPr/>
-        <p:txBody>
-          <a:bodyPr>
-            <a:noAutofit/>
-          </a:bodyPr>
-          <a:lstStyle/>
-          <a:p>
-            <a:pPr marL="0" indent="0" algn="just">
-              <a:lnSpc>
-                <a:spcPct val="170000"/>
-              </a:lnSpc>
-              <a:buNone/>
-            </a:pPr>
-            <a:r>
-              <a:rPr lang="hu-HU" sz="1600" dirty="0"/>
-              <a:t>A Messenger a </a:t>
-            </a:r>
-            <a:r>
-              <a:rPr lang="hu-HU" sz="1600" dirty="0" err="1"/>
-              <a:t>Meta</a:t>
-            </a:r>
-            <a:r>
-              <a:rPr lang="hu-HU" sz="1600" dirty="0"/>
-              <a:t> (korábban Facebook) által fejlesztett üzenetküldő alkalmazás, amely lehetővé teszi a felhasználók számára, hogy szöveges üzeneteket, képeket, videókat és hangüzeneteket küldjenek egymásnak. Emellett támogatja a hang- és videóhívásokat is, valamint különféle matricákkal, </a:t>
-            </a:r>
-            <a:r>
-              <a:rPr lang="hu-HU" sz="1600" dirty="0" err="1"/>
-              <a:t>gifekkel</a:t>
-            </a:r>
-            <a:r>
-              <a:rPr lang="hu-HU" sz="1600" dirty="0"/>
-              <a:t> és reakciókkal színesíthetők a beszélgetések. A Messenger szorosan </a:t>
-            </a:r>
-            <a:r>
-              <a:rPr lang="hu-HU" sz="1600" dirty="0" err="1"/>
-              <a:t>integrálódik</a:t>
-            </a:r>
-            <a:r>
-              <a:rPr lang="hu-HU" sz="1600" dirty="0"/>
-              <a:t> a Facebookkal, de önálló alkalmazásként is használható okostelefonokon és weben keresztül.</a:t>
-            </a:r>
-          </a:p>
-        </p:txBody>
-      </p:sp>
+          </a:blip>
+          <a:stretch>
+            <a:fillRect/>
+          </a:stretch>
+        </p:blipFill>
+        <p:spPr>
+          <a:xfrm>
+            <a:off x="1538021" y="1825625"/>
+            <a:ext cx="9115957" cy="4351338"/>
+          </a:xfrm>
+          <a:prstGeom prst="rect">
+            <a:avLst/>
+          </a:prstGeom>
+        </p:spPr>
+      </p:pic>
     </p:spTree>
     <p:extLst>
       <p:ext uri="{BB962C8B-B14F-4D97-AF65-F5344CB8AC3E}">
-        <p14:creationId xmlns:p14="http://schemas.microsoft.com/office/powerpoint/2010/main" val="236945355"/>
+        <p14:creationId xmlns:p14="http://schemas.microsoft.com/office/powerpoint/2010/main" val="1713506718"/>
       </p:ext>
     </p:extLst>
   </p:cSld>
@@ -3456,7 +3324,13 @@
       </p:grpSpPr>
       <p:sp>
         <p:nvSpPr>
-          <p:cNvPr id="2" name="Cím 1"/>
+          <p:cNvPr id="2" name="Cím 1">
+            <a:extLst>
+              <a:ext uri="{FF2B5EF4-FFF2-40B4-BE49-F238E27FC236}">
+                <a16:creationId xmlns:a16="http://schemas.microsoft.com/office/drawing/2014/main" id="{F25D5EBF-061C-4863-9F50-609100484E20}"/>
+              </a:ext>
+            </a:extLst>
+          </p:cNvPr>
           <p:cNvSpPr>
             <a:spLocks noGrp="1"/>
           </p:cNvSpPr>
@@ -3472,47 +3346,203 @@
             <a:pPr algn="ctr"/>
             <a:r>
               <a:rPr lang="hu-HU" b="1" dirty="0"/>
-              <a:t>Regisztráció</a:t>
+              <a:t>Kommunikáció</a:t>
+            </a:r>
+          </a:p>
+        </p:txBody>
+      </p:sp>
+      <p:sp>
+        <p:nvSpPr>
+          <p:cNvPr id="3" name="Szöveg helye 2">
+            <a:extLst>
+              <a:ext uri="{FF2B5EF4-FFF2-40B4-BE49-F238E27FC236}">
+                <a16:creationId xmlns:a16="http://schemas.microsoft.com/office/drawing/2014/main" id="{9C877783-304B-4CD0-B764-C16A873CD110}"/>
+              </a:ext>
+            </a:extLst>
+          </p:cNvPr>
+          <p:cNvSpPr>
+            <a:spLocks noGrp="1"/>
+          </p:cNvSpPr>
+          <p:nvPr>
+            <p:ph type="body" idx="1"/>
+          </p:nvPr>
+        </p:nvSpPr>
+        <p:spPr/>
+        <p:txBody>
+          <a:bodyPr/>
+          <a:lstStyle/>
+          <a:p>
+            <a:pPr algn="ctr"/>
+            <a:r>
+              <a:rPr lang="hu-HU" dirty="0" err="1"/>
+              <a:t>Discord</a:t>
+            </a:r>
+            <a:endParaRPr lang="hu-HU" dirty="0"/>
+          </a:p>
+        </p:txBody>
+      </p:sp>
+      <p:sp>
+        <p:nvSpPr>
+          <p:cNvPr id="4" name="Tartalom helye 3">
+            <a:extLst>
+              <a:ext uri="{FF2B5EF4-FFF2-40B4-BE49-F238E27FC236}">
+                <a16:creationId xmlns:a16="http://schemas.microsoft.com/office/drawing/2014/main" id="{F05F275D-1E06-4141-B581-2D0E8B9E5881}"/>
+              </a:ext>
+            </a:extLst>
+          </p:cNvPr>
+          <p:cNvSpPr>
+            <a:spLocks noGrp="1"/>
+          </p:cNvSpPr>
+          <p:nvPr>
+            <p:ph sz="half" idx="2"/>
+          </p:nvPr>
+        </p:nvSpPr>
+        <p:spPr/>
+        <p:txBody>
+          <a:bodyPr>
+            <a:noAutofit/>
+          </a:bodyPr>
+          <a:lstStyle/>
+          <a:p>
+            <a:pPr marL="0" indent="0" algn="just">
+              <a:lnSpc>
+                <a:spcPct val="170000"/>
+              </a:lnSpc>
+              <a:buNone/>
+            </a:pPr>
+            <a:endParaRPr lang="hu-HU" sz="1600" dirty="0"/>
+          </a:p>
+        </p:txBody>
+      </p:sp>
+      <p:sp>
+        <p:nvSpPr>
+          <p:cNvPr id="5" name="Szöveg helye 4">
+            <a:extLst>
+              <a:ext uri="{FF2B5EF4-FFF2-40B4-BE49-F238E27FC236}">
+                <a16:creationId xmlns:a16="http://schemas.microsoft.com/office/drawing/2014/main" id="{DF4DD81A-68FE-466D-91CA-3D9FF35E20FD}"/>
+              </a:ext>
+            </a:extLst>
+          </p:cNvPr>
+          <p:cNvSpPr>
+            <a:spLocks noGrp="1"/>
+          </p:cNvSpPr>
+          <p:nvPr>
+            <p:ph type="body" sz="quarter" idx="3"/>
+          </p:nvPr>
+        </p:nvSpPr>
+        <p:spPr/>
+        <p:txBody>
+          <a:bodyPr/>
+          <a:lstStyle/>
+          <a:p>
+            <a:pPr algn="ctr"/>
+            <a:r>
+              <a:rPr lang="hu-HU" dirty="0"/>
+              <a:t>Messenger</a:t>
             </a:r>
           </a:p>
         </p:txBody>
       </p:sp>
       <p:pic>
         <p:nvPicPr>
-          <p:cNvPr id="6" name="Tartalom helye 5">
+          <p:cNvPr id="1026" name="Picture 2" descr="discord logo 0 - Discord Logo">
             <a:extLst>
               <a:ext uri="{FF2B5EF4-FFF2-40B4-BE49-F238E27FC236}">
-                <a16:creationId xmlns:a16="http://schemas.microsoft.com/office/drawing/2014/main" id="{5DF26970-D2C5-46B8-AD46-BB5AD9F27DC9}"/>
+                <a16:creationId xmlns:a16="http://schemas.microsoft.com/office/drawing/2014/main" id="{7D063497-64CC-4785-9B81-538CD81B3E47}"/>
               </a:ext>
             </a:extLst>
           </p:cNvPr>
           <p:cNvPicPr>
-            <a:picLocks noGrp="1" noChangeAspect="1"/>
+            <a:picLocks noChangeAspect="1" noChangeArrowheads="1"/>
           </p:cNvPicPr>
-          <p:nvPr>
-            <p:ph idx="1"/>
-          </p:nvPr>
+          <p:nvPr/>
         </p:nvPicPr>
         <p:blipFill>
-          <a:blip r:embed="rId2"/>
+          <a:blip r:embed="rId2">
+            <a:extLst>
+              <a:ext uri="{28A0092B-C50C-407E-A947-70E740481C1C}">
+                <a14:useLocalDpi xmlns:a14="http://schemas.microsoft.com/office/drawing/2010/main" val="0"/>
+              </a:ext>
+            </a:extLst>
+          </a:blip>
+          <a:srcRect/>
           <a:stretch>
             <a:fillRect/>
           </a:stretch>
         </p:blipFill>
-        <p:spPr>
-          <a:xfrm>
-            <a:off x="1631884" y="1825625"/>
-            <a:ext cx="8928231" cy="4351338"/>
+        <p:spPr bwMode="auto">
+          <a:xfrm>
+            <a:off x="1493044" y="2261002"/>
+            <a:ext cx="3851274" cy="3851274"/>
           </a:xfrm>
           <a:prstGeom prst="rect">
             <a:avLst/>
           </a:prstGeom>
+          <a:noFill/>
+          <a:extLst>
+            <a:ext uri="{909E8E84-426E-40DD-AFC4-6F175D3DCCD1}">
+              <a14:hiddenFill xmlns:a14="http://schemas.microsoft.com/office/drawing/2010/main">
+                <a:solidFill>
+                  <a:srgbClr val="FFFFFF"/>
+                </a:solidFill>
+              </a14:hiddenFill>
+            </a:ext>
+          </a:extLst>
+        </p:spPr>
+      </p:pic>
+      <p:pic>
+        <p:nvPicPr>
+          <p:cNvPr id="1028" name="Picture 4" descr="Messenger Logo">
+            <a:extLst>
+              <a:ext uri="{FF2B5EF4-FFF2-40B4-BE49-F238E27FC236}">
+                <a16:creationId xmlns:a16="http://schemas.microsoft.com/office/drawing/2014/main" id="{B2D8680A-AE43-4231-A40A-62BF12497727}"/>
+              </a:ext>
+            </a:extLst>
+          </p:cNvPr>
+          <p:cNvPicPr>
+            <a:picLocks noGrp="1" noChangeAspect="1" noChangeArrowheads="1"/>
+          </p:cNvPicPr>
+          <p:nvPr>
+            <p:ph sz="quarter" idx="4"/>
+          </p:nvPr>
+        </p:nvPicPr>
+        <p:blipFill>
+          <a:blip r:embed="rId3" cstate="print">
+            <a:extLst>
+              <a:ext uri="{28A0092B-C50C-407E-A947-70E740481C1C}">
+                <a14:useLocalDpi xmlns:a14="http://schemas.microsoft.com/office/drawing/2010/main" val="0"/>
+              </a:ext>
+            </a:extLst>
+          </a:blip>
+          <a:srcRect/>
+          <a:stretch>
+            <a:fillRect/>
+          </a:stretch>
+        </p:blipFill>
+        <p:spPr bwMode="auto">
+          <a:xfrm>
+            <a:off x="7559918" y="3136865"/>
+            <a:ext cx="2409706" cy="2432122"/>
+          </a:xfrm>
+          <a:prstGeom prst="rect">
+            <a:avLst/>
+          </a:prstGeom>
+          <a:noFill/>
+          <a:extLst>
+            <a:ext uri="{909E8E84-426E-40DD-AFC4-6F175D3DCCD1}">
+              <a14:hiddenFill xmlns:a14="http://schemas.microsoft.com/office/drawing/2010/main">
+                <a:solidFill>
+                  <a:srgbClr val="FFFFFF"/>
+                </a:solidFill>
+              </a14:hiddenFill>
+            </a:ext>
+          </a:extLst>
         </p:spPr>
       </p:pic>
     </p:spTree>
     <p:extLst>
       <p:ext uri="{BB962C8B-B14F-4D97-AF65-F5344CB8AC3E}">
-        <p14:creationId xmlns:p14="http://schemas.microsoft.com/office/powerpoint/2010/main" val="1435331079"/>
+        <p14:creationId xmlns:p14="http://schemas.microsoft.com/office/powerpoint/2010/main" val="236945355"/>
       </p:ext>
     </p:extLst>
   </p:cSld>
@@ -3557,17 +3587,17 @@
             <a:pPr algn="ctr"/>
             <a:r>
               <a:rPr lang="hu-HU" b="1" dirty="0"/>
-              <a:t>Bejelentkezés</a:t>
+              <a:t>Regisztráció</a:t>
             </a:r>
           </a:p>
         </p:txBody>
       </p:sp>
       <p:pic>
         <p:nvPicPr>
-          <p:cNvPr id="7" name="Tartalom helye 6">
+          <p:cNvPr id="6" name="Tartalom helye 5">
             <a:extLst>
               <a:ext uri="{FF2B5EF4-FFF2-40B4-BE49-F238E27FC236}">
-                <a16:creationId xmlns:a16="http://schemas.microsoft.com/office/drawing/2014/main" id="{DE40DC52-FB67-4B40-952D-3E44610E9BA5}"/>
+                <a16:creationId xmlns:a16="http://schemas.microsoft.com/office/drawing/2014/main" id="{5DF26970-D2C5-46B8-AD46-BB5AD9F27DC9}"/>
               </a:ext>
             </a:extLst>
           </p:cNvPr>
@@ -3586,8 +3616,8 @@
         </p:blipFill>
         <p:spPr>
           <a:xfrm>
-            <a:off x="1589760" y="1825625"/>
-            <a:ext cx="9012480" cy="4351338"/>
+            <a:off x="1631884" y="1825625"/>
+            <a:ext cx="8928231" cy="4351338"/>
           </a:xfrm>
           <a:prstGeom prst="rect">
             <a:avLst/>
@@ -3597,7 +3627,7 @@
     </p:spTree>
     <p:extLst>
       <p:ext uri="{BB962C8B-B14F-4D97-AF65-F5344CB8AC3E}">
-        <p14:creationId xmlns:p14="http://schemas.microsoft.com/office/powerpoint/2010/main" val="975477040"/>
+        <p14:creationId xmlns:p14="http://schemas.microsoft.com/office/powerpoint/2010/main" val="1435331079"/>
       </p:ext>
     </p:extLst>
   </p:cSld>
@@ -3641,18 +3671,23 @@
           <a:p>
             <a:pPr algn="ctr"/>
             <a:r>
-              <a:rPr lang="hu-HU" b="1" dirty="0" err="1"/>
-              <a:t>Quizeink</a:t>
-            </a:r>
-            <a:endParaRPr lang="hu-HU" b="1" dirty="0"/>
+              <a:rPr lang="hu-HU" b="1" dirty="0"/>
+              <a:t>Bejelentkezés</a:t>
+            </a:r>
           </a:p>
         </p:txBody>
       </p:sp>
       <p:pic>
         <p:nvPicPr>
-          <p:cNvPr id="4" name="Tartalom helye 3"/>
+          <p:cNvPr id="7" name="Tartalom helye 6">
+            <a:extLst>
+              <a:ext uri="{FF2B5EF4-FFF2-40B4-BE49-F238E27FC236}">
+                <a16:creationId xmlns:a16="http://schemas.microsoft.com/office/drawing/2014/main" id="{DE40DC52-FB67-4B40-952D-3E44610E9BA5}"/>
+              </a:ext>
+            </a:extLst>
+          </p:cNvPr>
           <p:cNvPicPr>
-            <a:picLocks noGrp="1"/>
+            <a:picLocks noGrp="1" noChangeAspect="1"/>
           </p:cNvPicPr>
           <p:nvPr>
             <p:ph idx="1"/>
@@ -3666,8 +3701,8 @@
         </p:blipFill>
         <p:spPr>
           <a:xfrm>
-            <a:off x="838200" y="2251432"/>
-            <a:ext cx="10515600" cy="3499723"/>
+            <a:off x="1589760" y="1825625"/>
+            <a:ext cx="9012480" cy="4351338"/>
           </a:xfrm>
           <a:prstGeom prst="rect">
             <a:avLst/>
@@ -3677,7 +3712,7 @@
     </p:spTree>
     <p:extLst>
       <p:ext uri="{BB962C8B-B14F-4D97-AF65-F5344CB8AC3E}">
-        <p14:creationId xmlns:p14="http://schemas.microsoft.com/office/powerpoint/2010/main" val="1202060128"/>
+        <p14:creationId xmlns:p14="http://schemas.microsoft.com/office/powerpoint/2010/main" val="975477040"/>
       </p:ext>
     </p:extLst>
   </p:cSld>
@@ -3687,7 +3722,7 @@
 </p:sld>
 </file>
 
-<file path=ppt/slides/slide2.xml><?xml version="1.0" encoding="utf-8"?>
+<file path=ppt/slides/slide15.xml><?xml version="1.0" encoding="utf-8"?>
 <p:sld xmlns:a="http://schemas.openxmlformats.org/drawingml/2006/main" xmlns:r="http://schemas.openxmlformats.org/officeDocument/2006/relationships" xmlns:p="http://schemas.openxmlformats.org/presentationml/2006/main">
   <p:cSld>
     <p:spTree>
@@ -3721,46 +3756,43 @@
           <a:p>
             <a:pPr algn="ctr"/>
             <a:r>
-              <a:rPr lang="hu-HU" b="1" dirty="0"/>
-              <a:t>Bevezető</a:t>
-            </a:r>
-          </a:p>
-        </p:txBody>
-      </p:sp>
-      <p:sp>
-        <p:nvSpPr>
-          <p:cNvPr id="3" name="Tartalom helye 2"/>
-          <p:cNvSpPr>
-            <a:spLocks noGrp="1"/>
-          </p:cNvSpPr>
+              <a:rPr lang="hu-HU" b="1" dirty="0" err="1"/>
+              <a:t>Quizeink</a:t>
+            </a:r>
+            <a:endParaRPr lang="hu-HU" b="1" dirty="0"/>
+          </a:p>
+        </p:txBody>
+      </p:sp>
+      <p:pic>
+        <p:nvPicPr>
+          <p:cNvPr id="4" name="Tartalom helye 3"/>
+          <p:cNvPicPr>
+            <a:picLocks noGrp="1"/>
+          </p:cNvPicPr>
           <p:nvPr>
             <p:ph idx="1"/>
           </p:nvPr>
-        </p:nvSpPr>
-        <p:spPr/>
-        <p:txBody>
-          <a:bodyPr>
-            <a:normAutofit lnSpcReduction="10000"/>
-          </a:bodyPr>
-          <a:lstStyle/>
-          <a:p>
-            <a:pPr marL="0" indent="0" algn="just">
-              <a:lnSpc>
-                <a:spcPct val="150000"/>
-              </a:lnSpc>
-              <a:buNone/>
-            </a:pPr>
-            <a:r>
-              <a:rPr lang="hu-HU" dirty="0"/>
-              <a:t>A Honfoglaló megszűnése hatalmas űrt hagyott a szívünkben, ezért az az ötletünk támadt, hogy az évvégi vizsgára egy kiválasztós kérdéses (kvíz) játékprogramot fogunk készíteni. Esténként, amikor unatkozunk, a New York Times játékait szoktuk töltögetni, de sajnos csak napi egyet lehet ingyen kitölteni. Mivel a hatalmas infláció miatt nem engedhetjük meg magunknak a New York Times fizetős szolgáltatását, elhatároztuk, hogy a saját játékunk teljesen ingyenes lesz.</a:t>
-            </a:r>
-          </a:p>
-        </p:txBody>
-      </p:sp>
+        </p:nvPicPr>
+        <p:blipFill>
+          <a:blip r:embed="rId2"/>
+          <a:stretch>
+            <a:fillRect/>
+          </a:stretch>
+        </p:blipFill>
+        <p:spPr>
+          <a:xfrm>
+            <a:off x="838200" y="2251432"/>
+            <a:ext cx="10515600" cy="3499723"/>
+          </a:xfrm>
+          <a:prstGeom prst="rect">
+            <a:avLst/>
+          </a:prstGeom>
+        </p:spPr>
+      </p:pic>
     </p:spTree>
     <p:extLst>
       <p:ext uri="{BB962C8B-B14F-4D97-AF65-F5344CB8AC3E}">
-        <p14:creationId xmlns:p14="http://schemas.microsoft.com/office/powerpoint/2010/main" val="1452158427"/>
+        <p14:creationId xmlns:p14="http://schemas.microsoft.com/office/powerpoint/2010/main" val="1202060128"/>
       </p:ext>
     </p:extLst>
   </p:cSld>
@@ -3770,7 +3802,7 @@
 </p:sld>
 </file>
 
-<file path=ppt/slides/slide3.xml><?xml version="1.0" encoding="utf-8"?>
+<file path=ppt/slides/slide2.xml><?xml version="1.0" encoding="utf-8"?>
 <p:sld xmlns:a="http://schemas.openxmlformats.org/drawingml/2006/main" xmlns:r="http://schemas.openxmlformats.org/officeDocument/2006/relationships" xmlns:p="http://schemas.openxmlformats.org/presentationml/2006/main">
   <p:cSld>
     <p:spTree>
@@ -4513,6 +4545,208 @@
 </p:sld>
 </file>
 
+<file path=ppt/slides/slide3.xml><?xml version="1.0" encoding="utf-8"?>
+<p:sld xmlns:a="http://schemas.openxmlformats.org/drawingml/2006/main" xmlns:r="http://schemas.openxmlformats.org/officeDocument/2006/relationships" xmlns:p="http://schemas.openxmlformats.org/presentationml/2006/main">
+  <p:cSld>
+    <p:spTree>
+      <p:nvGrpSpPr>
+        <p:cNvPr id="1" name=""/>
+        <p:cNvGrpSpPr/>
+        <p:nvPr/>
+      </p:nvGrpSpPr>
+      <p:grpSpPr>
+        <a:xfrm>
+          <a:off x="0" y="0"/>
+          <a:ext cx="0" cy="0"/>
+          <a:chOff x="0" y="0"/>
+          <a:chExt cx="0" cy="0"/>
+        </a:xfrm>
+      </p:grpSpPr>
+      <p:sp>
+        <p:nvSpPr>
+          <p:cNvPr id="2" name="Cím 1"/>
+          <p:cNvSpPr>
+            <a:spLocks noGrp="1"/>
+          </p:cNvSpPr>
+          <p:nvPr>
+            <p:ph type="title"/>
+          </p:nvPr>
+        </p:nvSpPr>
+        <p:spPr/>
+        <p:txBody>
+          <a:bodyPr/>
+          <a:lstStyle/>
+          <a:p>
+            <a:pPr algn="ctr"/>
+            <a:r>
+              <a:rPr lang="hu-HU" dirty="0"/>
+              <a:t>Frontend </a:t>
+            </a:r>
+            <a:r>
+              <a:rPr lang="hu-HU" dirty="0" err="1"/>
+              <a:t>React</a:t>
+            </a:r>
+            <a:endParaRPr lang="hu-HU" dirty="0"/>
+          </a:p>
+        </p:txBody>
+      </p:sp>
+      <p:pic>
+        <p:nvPicPr>
+          <p:cNvPr id="4" name="Kép 3"/>
+          <p:cNvPicPr/>
+          <p:nvPr/>
+        </p:nvPicPr>
+        <p:blipFill>
+          <a:blip r:embed="rId2"/>
+          <a:stretch>
+            <a:fillRect/>
+          </a:stretch>
+        </p:blipFill>
+        <p:spPr>
+          <a:xfrm>
+            <a:off x="3215640" y="178911"/>
+            <a:ext cx="5760720" cy="1697990"/>
+          </a:xfrm>
+          <a:prstGeom prst="rect">
+            <a:avLst/>
+          </a:prstGeom>
+        </p:spPr>
+      </p:pic>
+      <p:pic>
+        <p:nvPicPr>
+          <p:cNvPr id="3074" name="Picture 2" descr="HTML5_logo_and_wordmark">
+            <a:extLst>
+              <a:ext uri="{FF2B5EF4-FFF2-40B4-BE49-F238E27FC236}">
+                <a16:creationId xmlns:a16="http://schemas.microsoft.com/office/drawing/2014/main" id="{9B903D81-771F-4756-AA74-0D1C6600AC60}"/>
+              </a:ext>
+            </a:extLst>
+          </p:cNvPr>
+          <p:cNvPicPr>
+            <a:picLocks noChangeAspect="1" noChangeArrowheads="1"/>
+          </p:cNvPicPr>
+          <p:nvPr/>
+        </p:nvPicPr>
+        <p:blipFill>
+          <a:blip r:embed="rId3">
+            <a:extLst>
+              <a:ext uri="{28A0092B-C50C-407E-A947-70E740481C1C}">
+                <a14:useLocalDpi xmlns:a14="http://schemas.microsoft.com/office/drawing/2010/main" val="0"/>
+              </a:ext>
+            </a:extLst>
+          </a:blip>
+          <a:srcRect/>
+          <a:stretch>
+            <a:fillRect/>
+          </a:stretch>
+        </p:blipFill>
+        <p:spPr bwMode="auto">
+          <a:xfrm>
+            <a:off x="577381" y="2358391"/>
+            <a:ext cx="2141219" cy="2141219"/>
+          </a:xfrm>
+          <a:prstGeom prst="rect">
+            <a:avLst/>
+          </a:prstGeom>
+          <a:noFill/>
+          <a:ln>
+            <a:noFill/>
+          </a:ln>
+          <a:extLst>
+            <a:ext uri="{909E8E84-426E-40DD-AFC4-6F175D3DCCD1}">
+              <a14:hiddenFill xmlns:a14="http://schemas.microsoft.com/office/drawing/2010/main">
+                <a:solidFill>
+                  <a:srgbClr val="FFFFFF"/>
+                </a:solidFill>
+              </a14:hiddenFill>
+            </a:ext>
+            <a:ext uri="{91240B29-F687-4F45-9708-019B960494DF}">
+              <a14:hiddenLine xmlns:a14="http://schemas.microsoft.com/office/drawing/2010/main" w="9525">
+                <a:solidFill>
+                  <a:srgbClr val="000000"/>
+                </a:solidFill>
+                <a:miter lim="800000"/>
+                <a:headEnd/>
+                <a:tailEnd/>
+              </a14:hiddenLine>
+            </a:ext>
+          </a:extLst>
+        </p:spPr>
+      </p:pic>
+      <p:pic>
+        <p:nvPicPr>
+          <p:cNvPr id="6" name="Kép 5">
+            <a:extLst>
+              <a:ext uri="{FF2B5EF4-FFF2-40B4-BE49-F238E27FC236}">
+                <a16:creationId xmlns:a16="http://schemas.microsoft.com/office/drawing/2014/main" id="{06B0A2E5-A67E-4109-AFDF-05F9B589CA96}"/>
+              </a:ext>
+            </a:extLst>
+          </p:cNvPr>
+          <p:cNvPicPr/>
+          <p:nvPr/>
+        </p:nvPicPr>
+        <p:blipFill>
+          <a:blip r:embed="rId4" cstate="print">
+            <a:extLst>
+              <a:ext uri="{28A0092B-C50C-407E-A947-70E740481C1C}">
+                <a14:useLocalDpi xmlns:a14="http://schemas.microsoft.com/office/drawing/2010/main" val="0"/>
+              </a:ext>
+            </a:extLst>
+          </a:blip>
+          <a:stretch>
+            <a:fillRect/>
+          </a:stretch>
+        </p:blipFill>
+        <p:spPr>
+          <a:xfrm>
+            <a:off x="9686574" y="2358390"/>
+            <a:ext cx="1505505" cy="2141219"/>
+          </a:xfrm>
+          <a:prstGeom prst="rect">
+            <a:avLst/>
+          </a:prstGeom>
+        </p:spPr>
+      </p:pic>
+      <p:pic>
+        <p:nvPicPr>
+          <p:cNvPr id="7" name="Kép 6">
+            <a:extLst>
+              <a:ext uri="{FF2B5EF4-FFF2-40B4-BE49-F238E27FC236}">
+                <a16:creationId xmlns:a16="http://schemas.microsoft.com/office/drawing/2014/main" id="{C75AA4C8-70CC-44A1-8FFC-4F255D570AFF}"/>
+              </a:ext>
+            </a:extLst>
+          </p:cNvPr>
+          <p:cNvPicPr/>
+          <p:nvPr/>
+        </p:nvPicPr>
+        <p:blipFill>
+          <a:blip r:embed="rId5"/>
+          <a:stretch>
+            <a:fillRect/>
+          </a:stretch>
+        </p:blipFill>
+        <p:spPr>
+          <a:xfrm>
+            <a:off x="3153496" y="2358390"/>
+            <a:ext cx="5760720" cy="2141220"/>
+          </a:xfrm>
+          <a:prstGeom prst="rect">
+            <a:avLst/>
+          </a:prstGeom>
+        </p:spPr>
+      </p:pic>
+    </p:spTree>
+    <p:extLst>
+      <p:ext uri="{BB962C8B-B14F-4D97-AF65-F5344CB8AC3E}">
+        <p14:creationId xmlns:p14="http://schemas.microsoft.com/office/powerpoint/2010/main" val="2029657237"/>
+      </p:ext>
+    </p:extLst>
+  </p:cSld>
+  <p:clrMapOvr>
+    <a:masterClrMapping/>
+  </p:clrMapOvr>
+</p:sld>
+</file>
+
 <file path=ppt/slides/slide4.xml><?xml version="1.0" encoding="utf-8"?>
 <p:sld xmlns:a="http://schemas.openxmlformats.org/drawingml/2006/main" xmlns:r="http://schemas.openxmlformats.org/officeDocument/2006/relationships" xmlns:p="http://schemas.openxmlformats.org/presentationml/2006/main">
   <p:cSld>
@@ -4542,102 +4776,109 @@
         </p:nvSpPr>
         <p:spPr/>
         <p:txBody>
-          <a:bodyPr/>
-          <a:lstStyle/>
-          <a:p>
-            <a:pPr algn="ctr"/>
-            <a:r>
-              <a:rPr lang="hu-HU" dirty="0"/>
-              <a:t>Frontend </a:t>
-            </a:r>
-            <a:r>
-              <a:rPr lang="hu-HU" dirty="0" err="1"/>
-              <a:t>React</a:t>
-            </a:r>
-            <a:endParaRPr lang="hu-HU" dirty="0"/>
-          </a:p>
-        </p:txBody>
-      </p:sp>
-      <p:sp>
-        <p:nvSpPr>
-          <p:cNvPr id="3" name="Tartalom helye 2"/>
-          <p:cNvSpPr>
-            <a:spLocks noGrp="1"/>
-          </p:cNvSpPr>
-          <p:nvPr>
-            <p:ph idx="1"/>
-          </p:nvPr>
-        </p:nvSpPr>
-        <p:spPr/>
-        <p:txBody>
           <a:bodyPr>
             <a:normAutofit/>
           </a:bodyPr>
           <a:lstStyle/>
           <a:p>
-            <a:pPr marL="0" indent="0" algn="just">
-              <a:lnSpc>
-                <a:spcPct val="150000"/>
-              </a:lnSpc>
-              <a:buNone/>
-            </a:pPr>
-            <a:r>
-              <a:rPr lang="hu-HU" dirty="0"/>
-              <a:t>A </a:t>
-            </a:r>
-            <a:r>
-              <a:rPr lang="hu-HU" dirty="0" err="1"/>
-              <a:t>React</a:t>
-            </a:r>
-            <a:r>
-              <a:rPr lang="hu-HU" dirty="0"/>
-              <a:t> egy népszerű JavaScript könyvtár, amelyet interaktív felhasználói felületek létrehozására használnak. A </a:t>
-            </a:r>
-            <a:r>
-              <a:rPr lang="hu-HU" dirty="0" err="1"/>
-              <a:t>React</a:t>
-            </a:r>
-            <a:r>
-              <a:rPr lang="hu-HU" dirty="0"/>
-              <a:t> segítségével a fejlesztők </a:t>
-            </a:r>
-            <a:r>
-              <a:rPr lang="hu-HU" dirty="0" err="1"/>
-              <a:t>újrahasznosítható</a:t>
-            </a:r>
-            <a:r>
-              <a:rPr lang="hu-HU" dirty="0"/>
-              <a:t> komponenseket hozhatnak létre, amelyek dinamikusan frissíthetik a felhasználói felületet anélkül, hogy az egész oldalt újra kellene tölteni.</a:t>
+            <a:pPr algn="ctr"/>
+            <a:r>
+              <a:rPr lang="hu-HU" b="1" dirty="0"/>
+              <a:t>Backend (Web API, ASP.NET CORE)</a:t>
             </a:r>
           </a:p>
         </p:txBody>
       </p:sp>
       <p:pic>
         <p:nvPicPr>
-          <p:cNvPr id="4" name="Kép 3"/>
-          <p:cNvPicPr/>
+          <p:cNvPr id="4" name="Picture 4" descr=" "/>
+          <p:cNvPicPr>
+            <a:picLocks noChangeAspect="1" noChangeArrowheads="1"/>
+          </p:cNvPicPr>
           <p:nvPr/>
         </p:nvPicPr>
         <p:blipFill>
-          <a:blip r:embed="rId2"/>
+          <a:blip r:embed="rId2">
+            <a:extLst>
+              <a:ext uri="{28A0092B-C50C-407E-A947-70E740481C1C}">
+                <a14:useLocalDpi xmlns:a14="http://schemas.microsoft.com/office/drawing/2010/main" val="0"/>
+              </a:ext>
+            </a:extLst>
+          </a:blip>
+          <a:srcRect/>
           <a:stretch>
             <a:fillRect/>
           </a:stretch>
         </p:blipFill>
-        <p:spPr>
-          <a:xfrm>
-            <a:off x="3215640" y="178911"/>
-            <a:ext cx="5760720" cy="1697990"/>
+        <p:spPr bwMode="auto">
+          <a:xfrm>
+            <a:off x="5036968" y="2747755"/>
+            <a:ext cx="1905000" cy="1905000"/>
           </a:xfrm>
           <a:prstGeom prst="rect">
             <a:avLst/>
           </a:prstGeom>
+          <a:noFill/>
+          <a:extLst>
+            <a:ext uri="{909E8E84-426E-40DD-AFC4-6F175D3DCCD1}">
+              <a14:hiddenFill xmlns:a14="http://schemas.microsoft.com/office/drawing/2010/main">
+                <a:solidFill>
+                  <a:srgbClr val="FFFFFF"/>
+                </a:solidFill>
+              </a14:hiddenFill>
+            </a:ext>
+          </a:extLst>
         </p:spPr>
       </p:pic>
+      <p:sp>
+        <p:nvSpPr>
+          <p:cNvPr id="5" name="AutoShape 2" descr="image.png">
+            <a:extLst>
+              <a:ext uri="{FF2B5EF4-FFF2-40B4-BE49-F238E27FC236}">
+                <a16:creationId xmlns:a16="http://schemas.microsoft.com/office/drawing/2014/main" id="{B629C5C2-E9F9-4BCD-894C-B4086FBAC2B6}"/>
+              </a:ext>
+            </a:extLst>
+          </p:cNvPr>
+          <p:cNvSpPr>
+            <a:spLocks noChangeAspect="1" noChangeArrowheads="1"/>
+          </p:cNvSpPr>
+          <p:nvPr/>
+        </p:nvSpPr>
+        <p:spPr bwMode="auto">
+          <a:xfrm>
+            <a:off x="5943600" y="3276600"/>
+            <a:ext cx="304800" cy="304800"/>
+          </a:xfrm>
+          <a:prstGeom prst="rect">
+            <a:avLst/>
+          </a:prstGeom>
+          <a:noFill/>
+          <a:extLst>
+            <a:ext uri="{909E8E84-426E-40DD-AFC4-6F175D3DCCD1}">
+              <a14:hiddenFill xmlns:a14="http://schemas.microsoft.com/office/drawing/2010/main">
+                <a:solidFill>
+                  <a:srgbClr val="FFFFFF"/>
+                </a:solidFill>
+              </a14:hiddenFill>
+            </a:ext>
+          </a:extLst>
+        </p:spPr>
+        <p:txBody>
+          <a:bodyPr vert="horz" wrap="square" lIns="91440" tIns="45720" rIns="91440" bIns="45720" numCol="1" anchor="t" anchorCtr="0" compatLnSpc="1">
+            <a:prstTxWarp prst="textNoShape">
+              <a:avLst/>
+            </a:prstTxWarp>
+          </a:bodyPr>
+          <a:lstStyle/>
+          <a:p>
+            <a:endParaRPr lang="hu-HU"/>
+          </a:p>
+        </p:txBody>
+      </p:sp>
     </p:spTree>
     <p:extLst>
       <p:ext uri="{BB962C8B-B14F-4D97-AF65-F5344CB8AC3E}">
-        <p14:creationId xmlns:p14="http://schemas.microsoft.com/office/powerpoint/2010/main" val="2029657237"/>
+        <p14:creationId xmlns:p14="http://schemas.microsoft.com/office/powerpoint/2010/main" val="4007656153"/>
       </p:ext>
     </p:extLst>
   </p:cSld>
@@ -4666,7 +4907,13 @@
       </p:grpSpPr>
       <p:sp>
         <p:nvSpPr>
-          <p:cNvPr id="2" name="Cím 1"/>
+          <p:cNvPr id="2" name="Cím 1">
+            <a:extLst>
+              <a:ext uri="{FF2B5EF4-FFF2-40B4-BE49-F238E27FC236}">
+                <a16:creationId xmlns:a16="http://schemas.microsoft.com/office/drawing/2014/main" id="{2465A9A5-F5F5-4838-BBB6-C08ECCB02165}"/>
+              </a:ext>
+            </a:extLst>
+          </p:cNvPr>
           <p:cNvSpPr>
             <a:spLocks noGrp="1"/>
           </p:cNvSpPr>
@@ -4676,64 +4923,32 @@
         </p:nvSpPr>
         <p:spPr/>
         <p:txBody>
-          <a:bodyPr>
-            <a:normAutofit/>
-          </a:bodyPr>
+          <a:bodyPr/>
           <a:lstStyle/>
           <a:p>
             <a:pPr algn="ctr"/>
             <a:r>
-              <a:rPr lang="hu-HU" sz="800" b="1" dirty="0"/>
-              <a:t>Backend (Web API, ASP.NET CORE)</a:t>
-            </a:r>
-          </a:p>
-        </p:txBody>
-      </p:sp>
-      <p:sp>
-        <p:nvSpPr>
-          <p:cNvPr id="3" name="Tartalom helye 2"/>
-          <p:cNvSpPr>
-            <a:spLocks noGrp="1"/>
-          </p:cNvSpPr>
-          <p:nvPr>
-            <p:ph idx="1"/>
-          </p:nvPr>
-        </p:nvSpPr>
-        <p:spPr/>
-        <p:txBody>
-          <a:bodyPr>
-            <a:noAutofit/>
-          </a:bodyPr>
-          <a:lstStyle/>
-          <a:p>
-            <a:pPr marL="0" indent="0" algn="just">
-              <a:lnSpc>
-                <a:spcPct val="150000"/>
-              </a:lnSpc>
-              <a:buNone/>
-            </a:pPr>
-            <a:r>
-              <a:rPr lang="hu-HU" sz="2400" dirty="0"/>
-              <a:t>A backend fejlesztés egy kritikus komponense a webalkalmazásoknak, amely a szerveroldali logikára, adatbázis-kezelésre és API-</a:t>
-            </a:r>
-            <a:r>
-              <a:rPr lang="hu-HU" sz="2400" dirty="0" err="1"/>
-              <a:t>kra</a:t>
-            </a:r>
-            <a:r>
-              <a:rPr lang="hu-HU" sz="2400" dirty="0"/>
-              <a:t> összpontosít, hogy biztosítsa a kliens és a szerver közötti sima interakciókat. A backend fejlesztés magában foglalja a szerverek kezelését, amelyek a kliens kéréseket és válaszokat dolgozzák fel, valamint az adatbázisokat, amelyek biztonságosan és hatékonyan tárolják az adatokat. Az API-k (alkalmazásprogramozási interfészek) közvetítőként működnek a frontend és a backend között, lehetővé téve az adatcserét HTTP metódusok segítségével, mint például a GET, POST, PUT és DELETE.</a:t>
+              <a:rPr lang="hu-HU" b="1" dirty="0"/>
+              <a:t>SWAGGER</a:t>
             </a:r>
           </a:p>
         </p:txBody>
       </p:sp>
       <p:pic>
         <p:nvPicPr>
-          <p:cNvPr id="4" name="Picture 4" descr=" "/>
+          <p:cNvPr id="6" name="Tartalom helye 5">
+            <a:extLst>
+              <a:ext uri="{FF2B5EF4-FFF2-40B4-BE49-F238E27FC236}">
+                <a16:creationId xmlns:a16="http://schemas.microsoft.com/office/drawing/2014/main" id="{D6F0E2BC-D111-47D0-8401-A71313D1CD0A}"/>
+              </a:ext>
+            </a:extLst>
+          </p:cNvPr>
           <p:cNvPicPr>
-            <a:picLocks noChangeAspect="1" noChangeArrowheads="1"/>
+            <a:picLocks noGrp="1" noChangeAspect="1"/>
           </p:cNvPicPr>
-          <p:nvPr/>
+          <p:nvPr>
+            <p:ph idx="1"/>
+          </p:nvPr>
         </p:nvPicPr>
         <p:blipFill>
           <a:blip r:embed="rId2">
@@ -4743,35 +4958,21 @@
               </a:ext>
             </a:extLst>
           </a:blip>
-          <a:srcRect/>
           <a:stretch>
             <a:fillRect/>
           </a:stretch>
         </p:blipFill>
-        <p:spPr bwMode="auto">
-          <a:xfrm>
-            <a:off x="5143500" y="57821"/>
-            <a:ext cx="1905000" cy="1905000"/>
-          </a:xfrm>
-          <a:prstGeom prst="rect">
-            <a:avLst/>
-          </a:prstGeom>
-          <a:noFill/>
-          <a:extLst>
-            <a:ext uri="{909E8E84-426E-40DD-AFC4-6F175D3DCCD1}">
-              <a14:hiddenFill xmlns:a14="http://schemas.microsoft.com/office/drawing/2010/main">
-                <a:solidFill>
-                  <a:srgbClr val="FFFFFF"/>
-                </a:solidFill>
-              </a14:hiddenFill>
-            </a:ext>
-          </a:extLst>
+        <p:spPr>
+          <a:xfrm>
+            <a:off x="838200" y="1970252"/>
+            <a:ext cx="10515600" cy="4062083"/>
+          </a:xfrm>
         </p:spPr>
       </p:pic>
     </p:spTree>
     <p:extLst>
       <p:ext uri="{BB962C8B-B14F-4D97-AF65-F5344CB8AC3E}">
-        <p14:creationId xmlns:p14="http://schemas.microsoft.com/office/powerpoint/2010/main" val="4007656153"/>
+        <p14:creationId xmlns:p14="http://schemas.microsoft.com/office/powerpoint/2010/main" val="855277020"/>
       </p:ext>
     </p:extLst>
   </p:cSld>
@@ -4800,7 +5001,13 @@
       </p:grpSpPr>
       <p:sp>
         <p:nvSpPr>
-          <p:cNvPr id="2" name="Cím 1"/>
+          <p:cNvPr id="2" name="Cím 1">
+            <a:extLst>
+              <a:ext uri="{FF2B5EF4-FFF2-40B4-BE49-F238E27FC236}">
+                <a16:creationId xmlns:a16="http://schemas.microsoft.com/office/drawing/2014/main" id="{A5634458-6018-4365-BC02-404B734E0873}"/>
+              </a:ext>
+            </a:extLst>
+          </p:cNvPr>
           <p:cNvSpPr>
             <a:spLocks noGrp="1"/>
           </p:cNvSpPr>
@@ -4813,56 +5020,79 @@
           <a:bodyPr/>
           <a:lstStyle/>
           <a:p>
-            <a:endParaRPr lang="hu-HU" dirty="0"/>
-          </a:p>
-        </p:txBody>
-      </p:sp>
-      <p:sp>
-        <p:nvSpPr>
-          <p:cNvPr id="3" name="Tartalom helye 2"/>
-          <p:cNvSpPr>
-            <a:spLocks noGrp="1"/>
-          </p:cNvSpPr>
+            <a:pPr algn="ctr"/>
+            <a:r>
+              <a:rPr lang="hu-HU" b="1" dirty="0"/>
+              <a:t>SWAGGER</a:t>
+            </a:r>
+          </a:p>
+        </p:txBody>
+      </p:sp>
+      <p:pic>
+        <p:nvPicPr>
+          <p:cNvPr id="5" name="Tartalom helye 4">
+            <a:extLst>
+              <a:ext uri="{FF2B5EF4-FFF2-40B4-BE49-F238E27FC236}">
+                <a16:creationId xmlns:a16="http://schemas.microsoft.com/office/drawing/2014/main" id="{DC24105D-7F4C-44ED-ADF7-6AAFFC5C2105}"/>
+              </a:ext>
+            </a:extLst>
+          </p:cNvPr>
+          <p:cNvPicPr>
+            <a:picLocks noGrp="1" noChangeAspect="1"/>
+          </p:cNvPicPr>
           <p:nvPr>
             <p:ph idx="1"/>
           </p:nvPr>
-        </p:nvSpPr>
-        <p:spPr/>
-        <p:txBody>
-          <a:bodyPr>
-            <a:noAutofit/>
-          </a:bodyPr>
-          <a:lstStyle/>
-          <a:p>
-            <a:pPr marL="0" indent="0" algn="just">
-              <a:lnSpc>
-                <a:spcPct val="150000"/>
-              </a:lnSpc>
-              <a:buNone/>
-            </a:pPr>
-            <a:r>
-              <a:rPr lang="hu-HU" dirty="0"/>
-              <a:t>Az adatbázis egy szervezett gyűjtemény, amely lehetővé teszi az adatok strukturált tárolását és kezelését. A </a:t>
-            </a:r>
-            <a:r>
-              <a:rPr lang="hu-HU" dirty="0" err="1"/>
-              <a:t>MySQL</a:t>
-            </a:r>
-            <a:r>
-              <a:rPr lang="hu-HU" dirty="0"/>
-              <a:t> egy népszerű nyílt forráskódú adatbázis-kezelő rendszer, amelyet webes alkalmazásokhoz gyakran használnak. Az adatbázis táblákból áll, ahol az egyes táblák sorokat és oszlopokat tartalmaznak, hasonlóan egy táblázathoz. Minden sor egy rekordot reprezentál, míg az oszlopok az </a:t>
-            </a:r>
-            <a:r>
-              <a:rPr lang="hu-HU" dirty="0" err="1"/>
-              <a:t>adatmezőket</a:t>
-            </a:r>
-            <a:r>
-              <a:rPr lang="hu-HU" dirty="0"/>
-              <a:t> jelölik.</a:t>
-            </a:r>
-          </a:p>
-        </p:txBody>
-      </p:sp>
+        </p:nvPicPr>
+        <p:blipFill>
+          <a:blip r:embed="rId2">
+            <a:extLst>
+              <a:ext uri="{28A0092B-C50C-407E-A947-70E740481C1C}">
+                <a14:useLocalDpi xmlns:a14="http://schemas.microsoft.com/office/drawing/2010/main" val="0"/>
+              </a:ext>
+            </a:extLst>
+          </a:blip>
+          <a:stretch>
+            <a:fillRect/>
+          </a:stretch>
+        </p:blipFill>
+        <p:spPr>
+          <a:xfrm>
+            <a:off x="838200" y="2170178"/>
+            <a:ext cx="10515600" cy="3662232"/>
+          </a:xfrm>
+        </p:spPr>
+      </p:pic>
+    </p:spTree>
+    <p:extLst>
+      <p:ext uri="{BB962C8B-B14F-4D97-AF65-F5344CB8AC3E}">
+        <p14:creationId xmlns:p14="http://schemas.microsoft.com/office/powerpoint/2010/main" val="972190028"/>
+      </p:ext>
+    </p:extLst>
+  </p:cSld>
+  <p:clrMapOvr>
+    <a:masterClrMapping/>
+  </p:clrMapOvr>
+</p:sld>
+</file>
+
+<file path=ppt/slides/slide7.xml><?xml version="1.0" encoding="utf-8"?>
+<p:sld xmlns:a="http://schemas.openxmlformats.org/drawingml/2006/main" xmlns:r="http://schemas.openxmlformats.org/officeDocument/2006/relationships" xmlns:p="http://schemas.openxmlformats.org/presentationml/2006/main">
+  <p:cSld>
+    <p:spTree>
+      <p:nvGrpSpPr>
+        <p:cNvPr id="1" name=""/>
+        <p:cNvGrpSpPr/>
+        <p:nvPr/>
+      </p:nvGrpSpPr>
+      <p:grpSpPr>
+        <a:xfrm>
+          <a:off x="0" y="0"/>
+          <a:ext cx="0" cy="0"/>
+          <a:chOff x="0" y="0"/>
+          <a:chExt cx="0" cy="0"/>
+        </a:xfrm>
+      </p:grpSpPr>
       <p:pic>
         <p:nvPicPr>
           <p:cNvPr id="3075" name="Picture 3" descr="MySQL_textlogo"/>
@@ -4917,80 +5147,154 @@
           </a:extLst>
         </p:spPr>
       </p:pic>
-    </p:spTree>
-    <p:extLst>
-      <p:ext uri="{BB962C8B-B14F-4D97-AF65-F5344CB8AC3E}">
-        <p14:creationId xmlns:p14="http://schemas.microsoft.com/office/powerpoint/2010/main" val="80170986"/>
-      </p:ext>
-    </p:extLst>
-  </p:cSld>
-  <p:clrMapOvr>
-    <a:masterClrMapping/>
-  </p:clrMapOvr>
-</p:sld>
-</file>
-
-<file path=ppt/slides/slide7.xml><?xml version="1.0" encoding="utf-8"?>
-<p:sld xmlns:a="http://schemas.openxmlformats.org/drawingml/2006/main" xmlns:r="http://schemas.openxmlformats.org/officeDocument/2006/relationships" xmlns:p="http://schemas.openxmlformats.org/presentationml/2006/main">
-  <p:cSld>
-    <p:spTree>
-      <p:nvGrpSpPr>
-        <p:cNvPr id="1" name=""/>
-        <p:cNvGrpSpPr/>
-        <p:nvPr/>
-      </p:nvGrpSpPr>
-      <p:grpSpPr>
-        <a:xfrm>
-          <a:off x="0" y="0"/>
-          <a:ext cx="0" cy="0"/>
-          <a:chOff x="0" y="0"/>
-          <a:chExt cx="0" cy="0"/>
-        </a:xfrm>
-      </p:grpSpPr>
-      <p:sp>
-        <p:nvSpPr>
-          <p:cNvPr id="2" name="Cím 1"/>
-          <p:cNvSpPr>
-            <a:spLocks noGrp="1"/>
-          </p:cNvSpPr>
-          <p:nvPr>
-            <p:ph type="title"/>
-          </p:nvPr>
-        </p:nvSpPr>
-        <p:spPr/>
-        <p:txBody>
-          <a:bodyPr/>
-          <a:lstStyle/>
-          <a:p>
-            <a:pPr algn="ctr"/>
-            <a:r>
-              <a:rPr lang="hu-HU" b="1" dirty="0" err="1"/>
-              <a:t>Github</a:t>
-            </a:r>
-            <a:endParaRPr lang="hu-HU" b="1" dirty="0"/>
-          </a:p>
-        </p:txBody>
-      </p:sp>
       <p:pic>
         <p:nvPicPr>
-          <p:cNvPr id="4" name="Tartalom helye 3"/>
+          <p:cNvPr id="2050" name="Picture 2" descr="PhpMyAdmin_logo">
+            <a:extLst>
+              <a:ext uri="{FF2B5EF4-FFF2-40B4-BE49-F238E27FC236}">
+                <a16:creationId xmlns:a16="http://schemas.microsoft.com/office/drawing/2014/main" id="{CA3DA697-838E-479A-BB88-72874AA1ECE5}"/>
+              </a:ext>
+            </a:extLst>
+          </p:cNvPr>
           <p:cNvPicPr>
-            <a:picLocks noGrp="1" noChangeAspect="1"/>
+            <a:picLocks noChangeAspect="1" noChangeArrowheads="1"/>
           </p:cNvPicPr>
-          <p:nvPr>
-            <p:ph idx="1"/>
-          </p:nvPr>
+          <p:nvPr/>
         </p:nvPicPr>
         <p:blipFill>
-          <a:blip r:embed="rId2"/>
+          <a:blip r:embed="rId3">
+            <a:extLst>
+              <a:ext uri="{28A0092B-C50C-407E-A947-70E740481C1C}">
+                <a14:useLocalDpi xmlns:a14="http://schemas.microsoft.com/office/drawing/2010/main" val="0"/>
+              </a:ext>
+            </a:extLst>
+          </a:blip>
+          <a:srcRect/>
+          <a:stretch>
+            <a:fillRect/>
+          </a:stretch>
+        </p:blipFill>
+        <p:spPr bwMode="auto">
+          <a:xfrm>
+            <a:off x="7433785" y="3339539"/>
+            <a:ext cx="4113174" cy="2430947"/>
+          </a:xfrm>
+          <a:prstGeom prst="rect">
+            <a:avLst/>
+          </a:prstGeom>
+          <a:noFill/>
+          <a:ln>
+            <a:noFill/>
+          </a:ln>
+          <a:extLst>
+            <a:ext uri="{909E8E84-426E-40DD-AFC4-6F175D3DCCD1}">
+              <a14:hiddenFill xmlns:a14="http://schemas.microsoft.com/office/drawing/2010/main">
+                <a:solidFill>
+                  <a:srgbClr val="FFFFFF"/>
+                </a:solidFill>
+              </a14:hiddenFill>
+            </a:ext>
+            <a:ext uri="{91240B29-F687-4F45-9708-019B960494DF}">
+              <a14:hiddenLine xmlns:a14="http://schemas.microsoft.com/office/drawing/2010/main" w="9525">
+                <a:solidFill>
+                  <a:srgbClr val="000000"/>
+                </a:solidFill>
+                <a:miter lim="800000"/>
+                <a:headEnd/>
+                <a:tailEnd/>
+              </a14:hiddenLine>
+            </a:ext>
+          </a:extLst>
+        </p:spPr>
+      </p:pic>
+      <p:pic>
+        <p:nvPicPr>
+          <p:cNvPr id="2051" name="Picture 3" descr="Xampp_logo">
+            <a:extLst>
+              <a:ext uri="{FF2B5EF4-FFF2-40B4-BE49-F238E27FC236}">
+                <a16:creationId xmlns:a16="http://schemas.microsoft.com/office/drawing/2014/main" id="{CD1D4B4E-5DC8-4895-B653-B98F10D3BC85}"/>
+              </a:ext>
+            </a:extLst>
+          </p:cNvPr>
+          <p:cNvPicPr>
+            <a:picLocks noChangeAspect="1" noChangeArrowheads="1"/>
+          </p:cNvPicPr>
+          <p:nvPr/>
+        </p:nvPicPr>
+        <p:blipFill>
+          <a:blip r:embed="rId4" cstate="print">
+            <a:extLst>
+              <a:ext uri="{28A0092B-C50C-407E-A947-70E740481C1C}">
+                <a14:useLocalDpi xmlns:a14="http://schemas.microsoft.com/office/drawing/2010/main" val="0"/>
+              </a:ext>
+            </a:extLst>
+          </a:blip>
+          <a:srcRect/>
+          <a:stretch>
+            <a:fillRect/>
+          </a:stretch>
+        </p:blipFill>
+        <p:spPr bwMode="auto">
+          <a:xfrm>
+            <a:off x="1619436" y="1747786"/>
+            <a:ext cx="4115540" cy="1072830"/>
+          </a:xfrm>
+          <a:prstGeom prst="rect">
+            <a:avLst/>
+          </a:prstGeom>
+          <a:noFill/>
+          <a:ln>
+            <a:noFill/>
+          </a:ln>
+          <a:extLst>
+            <a:ext uri="{909E8E84-426E-40DD-AFC4-6F175D3DCCD1}">
+              <a14:hiddenFill xmlns:a14="http://schemas.microsoft.com/office/drawing/2010/main">
+                <a:solidFill>
+                  <a:srgbClr val="FFFFFF"/>
+                </a:solidFill>
+              </a14:hiddenFill>
+            </a:ext>
+            <a:ext uri="{91240B29-F687-4F45-9708-019B960494DF}">
+              <a14:hiddenLine xmlns:a14="http://schemas.microsoft.com/office/drawing/2010/main" w="9525">
+                <a:solidFill>
+                  <a:srgbClr val="000000"/>
+                </a:solidFill>
+                <a:miter lim="800000"/>
+                <a:headEnd/>
+                <a:tailEnd/>
+              </a14:hiddenLine>
+            </a:ext>
+          </a:extLst>
+        </p:spPr>
+      </p:pic>
+      <p:pic>
+        <p:nvPicPr>
+          <p:cNvPr id="7" name="Kép 6">
+            <a:extLst>
+              <a:ext uri="{FF2B5EF4-FFF2-40B4-BE49-F238E27FC236}">
+                <a16:creationId xmlns:a16="http://schemas.microsoft.com/office/drawing/2014/main" id="{620A9971-E0C5-427C-9F29-E123D22E5A31}"/>
+              </a:ext>
+            </a:extLst>
+          </p:cNvPr>
+          <p:cNvPicPr/>
+          <p:nvPr/>
+        </p:nvPicPr>
+        <p:blipFill>
+          <a:blip r:embed="rId5">
+            <a:extLst>
+              <a:ext uri="{28A0092B-C50C-407E-A947-70E740481C1C}">
+                <a14:useLocalDpi xmlns:a14="http://schemas.microsoft.com/office/drawing/2010/main" val="0"/>
+              </a:ext>
+            </a:extLst>
+          </a:blip>
           <a:stretch>
             <a:fillRect/>
           </a:stretch>
         </p:blipFill>
         <p:spPr>
           <a:xfrm>
-            <a:off x="838200" y="1980345"/>
-            <a:ext cx="10471120" cy="4024802"/>
+            <a:off x="918099" y="3011065"/>
+            <a:ext cx="5760720" cy="3729990"/>
           </a:xfrm>
           <a:prstGeom prst="rect">
             <a:avLst/>
@@ -5000,7 +5304,7 @@
     </p:spTree>
     <p:extLst>
       <p:ext uri="{BB962C8B-B14F-4D97-AF65-F5344CB8AC3E}">
-        <p14:creationId xmlns:p14="http://schemas.microsoft.com/office/powerpoint/2010/main" val="3632783989"/>
+        <p14:creationId xmlns:p14="http://schemas.microsoft.com/office/powerpoint/2010/main" val="80170986"/>
       </p:ext>
     </p:extLst>
   </p:cSld>
@@ -5045,7 +5349,7 @@
             <a:pPr algn="ctr"/>
             <a:r>
               <a:rPr lang="hu-HU" b="1" dirty="0" err="1"/>
-              <a:t>Branchek</a:t>
+              <a:t>Github</a:t>
             </a:r>
             <a:endParaRPr lang="hu-HU" b="1" dirty="0"/>
           </a:p>
@@ -5053,7 +5357,7 @@
       </p:sp>
       <p:pic>
         <p:nvPicPr>
-          <p:cNvPr id="5" name="Tartalom helye 4"/>
+          <p:cNvPr id="4" name="Tartalom helye 3"/>
           <p:cNvPicPr>
             <a:picLocks noGrp="1" noChangeAspect="1"/>
           </p:cNvPicPr>
@@ -5069,8 +5373,8 @@
         </p:blipFill>
         <p:spPr>
           <a:xfrm>
-            <a:off x="1525165" y="1825625"/>
-            <a:ext cx="9141669" cy="4351338"/>
+            <a:off x="838200" y="1980345"/>
+            <a:ext cx="10471120" cy="4024802"/>
           </a:xfrm>
           <a:prstGeom prst="rect">
             <a:avLst/>
@@ -5080,7 +5384,7 @@
     </p:spTree>
     <p:extLst>
       <p:ext uri="{BB962C8B-B14F-4D97-AF65-F5344CB8AC3E}">
-        <p14:creationId xmlns:p14="http://schemas.microsoft.com/office/powerpoint/2010/main" val="41976905"/>
+        <p14:creationId xmlns:p14="http://schemas.microsoft.com/office/powerpoint/2010/main" val="3632783989"/>
       </p:ext>
     </p:extLst>
   </p:cSld>
@@ -5125,7 +5429,7 @@
             <a:pPr algn="ctr"/>
             <a:r>
               <a:rPr lang="hu-HU" b="1" dirty="0" err="1"/>
-              <a:t>Trello</a:t>
+              <a:t>Branchek</a:t>
             </a:r>
             <a:endParaRPr lang="hu-HU" b="1" dirty="0"/>
           </a:p>
@@ -5133,51 +5437,34 @@
       </p:sp>
       <p:pic>
         <p:nvPicPr>
-          <p:cNvPr id="4" name="Tartalom helye 3">
-            <a:extLst>
-              <a:ext uri="{FF2B5EF4-FFF2-40B4-BE49-F238E27FC236}">
-                <a16:creationId xmlns:a16="http://schemas.microsoft.com/office/drawing/2014/main" id="{667054AC-55C7-41F6-9FC9-B1F891D6BE51}"/>
-              </a:ext>
-            </a:extLst>
-          </p:cNvPr>
+          <p:cNvPr id="5" name="Tartalom helye 4"/>
           <p:cNvPicPr>
-            <a:picLocks noGrp="1"/>
+            <a:picLocks noGrp="1" noChangeAspect="1"/>
           </p:cNvPicPr>
           <p:nvPr>
             <p:ph idx="1"/>
           </p:nvPr>
         </p:nvPicPr>
         <p:blipFill>
-          <a:blip r:embed="rId2" cstate="print">
-            <a:extLst>
-              <a:ext uri="{28A0092B-C50C-407E-A947-70E740481C1C}">
-                <a14:useLocalDpi xmlns:a14="http://schemas.microsoft.com/office/drawing/2010/main" val="0"/>
-              </a:ext>
-            </a:extLst>
-          </a:blip>
-          <a:srcRect/>
+          <a:blip r:embed="rId2"/>
           <a:stretch>
             <a:fillRect/>
           </a:stretch>
         </p:blipFill>
-        <p:spPr bwMode="auto">
-          <a:xfrm>
-            <a:off x="1739033" y="1779464"/>
-            <a:ext cx="8713933" cy="4171872"/>
+        <p:spPr>
+          <a:xfrm>
+            <a:off x="1525165" y="1825625"/>
+            <a:ext cx="9141669" cy="4351338"/>
           </a:xfrm>
           <a:prstGeom prst="rect">
             <a:avLst/>
           </a:prstGeom>
-          <a:noFill/>
-          <a:ln>
-            <a:noFill/>
-          </a:ln>
         </p:spPr>
       </p:pic>
     </p:spTree>
     <p:extLst>
       <p:ext uri="{BB962C8B-B14F-4D97-AF65-F5344CB8AC3E}">
-        <p14:creationId xmlns:p14="http://schemas.microsoft.com/office/powerpoint/2010/main" val="1916872358"/>
+        <p14:creationId xmlns:p14="http://schemas.microsoft.com/office/powerpoint/2010/main" val="41976905"/>
       </p:ext>
     </p:extLst>
   </p:cSld>
